--- a/R프로그램, 파이썬 유량 예측 결과.pptx
+++ b/R프로그램, 파이썬 유량 예측 결과.pptx
@@ -12,21 +12,20 @@
     <p:sldId id="278" r:id="rId6"/>
     <p:sldId id="259" r:id="rId7"/>
     <p:sldId id="261" r:id="rId8"/>
-    <p:sldId id="276" r:id="rId9"/>
-    <p:sldId id="274" r:id="rId10"/>
-    <p:sldId id="266" r:id="rId11"/>
-    <p:sldId id="268" r:id="rId12"/>
-    <p:sldId id="269" r:id="rId13"/>
-    <p:sldId id="272" r:id="rId14"/>
-    <p:sldId id="273" r:id="rId15"/>
-    <p:sldId id="267" r:id="rId16"/>
-    <p:sldId id="270" r:id="rId17"/>
-    <p:sldId id="271" r:id="rId18"/>
-    <p:sldId id="275" r:id="rId19"/>
-    <p:sldId id="279" r:id="rId20"/>
-    <p:sldId id="280" r:id="rId21"/>
-    <p:sldId id="281" r:id="rId22"/>
-    <p:sldId id="282" r:id="rId23"/>
+    <p:sldId id="274" r:id="rId9"/>
+    <p:sldId id="266" r:id="rId10"/>
+    <p:sldId id="268" r:id="rId11"/>
+    <p:sldId id="269" r:id="rId12"/>
+    <p:sldId id="272" r:id="rId13"/>
+    <p:sldId id="273" r:id="rId14"/>
+    <p:sldId id="267" r:id="rId15"/>
+    <p:sldId id="270" r:id="rId16"/>
+    <p:sldId id="271" r:id="rId17"/>
+    <p:sldId id="275" r:id="rId18"/>
+    <p:sldId id="279" r:id="rId19"/>
+    <p:sldId id="280" r:id="rId20"/>
+    <p:sldId id="281" r:id="rId21"/>
+    <p:sldId id="282" r:id="rId22"/>
   </p:sldIdLst>
   <p:sldSz cx="12192000" cy="6858000"/>
   <p:notesSz cx="6858000" cy="9144000"/>
@@ -1799,7 +1798,7 @@
           <a:p>
             <a:fld id="{8F72BA41-EC5B-4197-BCC8-0FD2E523CD7A}" type="datetimeFigureOut">
               <a:rPr lang="en-US" smtClean="0"/>
-              <a:t>8/1/2022</a:t>
+              <a:t>8/2/2022</a:t>
             </a:fld>
             <a:endParaRPr lang="en-US"/>
           </a:p>
@@ -2002,7 +2001,7 @@
           <a:p>
             <a:fld id="{8F72BA41-EC5B-4197-BCC8-0FD2E523CD7A}" type="datetimeFigureOut">
               <a:rPr lang="en-US" smtClean="0"/>
-              <a:t>8/1/2022</a:t>
+              <a:t>8/2/2022</a:t>
             </a:fld>
             <a:endParaRPr lang="en-US"/>
           </a:p>
@@ -3723,7 +3722,7 @@
           <a:p>
             <a:fld id="{8F72BA41-EC5B-4197-BCC8-0FD2E523CD7A}" type="datetimeFigureOut">
               <a:rPr lang="en-US" smtClean="0"/>
-              <a:t>8/1/2022</a:t>
+              <a:t>8/2/2022</a:t>
             </a:fld>
             <a:endParaRPr lang="en-US"/>
           </a:p>
@@ -3922,7 +3921,7 @@
           <a:p>
             <a:fld id="{8F72BA41-EC5B-4197-BCC8-0FD2E523CD7A}" type="datetimeFigureOut">
               <a:rPr lang="en-US" smtClean="0"/>
-              <a:t>8/1/2022</a:t>
+              <a:t>8/2/2022</a:t>
             </a:fld>
             <a:endParaRPr lang="en-US"/>
           </a:p>
@@ -5712,7 +5711,7 @@
           <a:p>
             <a:fld id="{8F72BA41-EC5B-4197-BCC8-0FD2E523CD7A}" type="datetimeFigureOut">
               <a:rPr lang="en-US" smtClean="0"/>
-              <a:t>8/1/2022</a:t>
+              <a:t>8/2/2022</a:t>
             </a:fld>
             <a:endParaRPr lang="en-US"/>
           </a:p>
@@ -5985,7 +5984,7 @@
           <a:p>
             <a:fld id="{8F72BA41-EC5B-4197-BCC8-0FD2E523CD7A}" type="datetimeFigureOut">
               <a:rPr lang="en-US" smtClean="0"/>
-              <a:t>8/1/2022</a:t>
+              <a:t>8/2/2022</a:t>
             </a:fld>
             <a:endParaRPr lang="en-US"/>
           </a:p>
@@ -6405,7 +6404,7 @@
           <a:p>
             <a:fld id="{8F72BA41-EC5B-4197-BCC8-0FD2E523CD7A}" type="datetimeFigureOut">
               <a:rPr lang="en-US" smtClean="0"/>
-              <a:t>8/1/2022</a:t>
+              <a:t>8/2/2022</a:t>
             </a:fld>
             <a:endParaRPr lang="en-US"/>
           </a:p>
@@ -6561,7 +6560,7 @@
           <a:p>
             <a:fld id="{8F72BA41-EC5B-4197-BCC8-0FD2E523CD7A}" type="datetimeFigureOut">
               <a:rPr lang="en-US" smtClean="0"/>
-              <a:t>8/1/2022</a:t>
+              <a:t>8/2/2022</a:t>
             </a:fld>
             <a:endParaRPr lang="en-US"/>
           </a:p>
@@ -8129,7 +8128,7 @@
           <a:p>
             <a:fld id="{8F72BA41-EC5B-4197-BCC8-0FD2E523CD7A}" type="datetimeFigureOut">
               <a:rPr lang="en-US" smtClean="0"/>
-              <a:t>8/1/2022</a:t>
+              <a:t>8/2/2022</a:t>
             </a:fld>
             <a:endParaRPr lang="en-US"/>
           </a:p>
@@ -9980,7 +9979,7 @@
           <a:p>
             <a:fld id="{8F72BA41-EC5B-4197-BCC8-0FD2E523CD7A}" type="datetimeFigureOut">
               <a:rPr lang="en-US" smtClean="0"/>
-              <a:t>8/1/2022</a:t>
+              <a:t>8/2/2022</a:t>
             </a:fld>
             <a:endParaRPr lang="en-US"/>
           </a:p>
@@ -11793,7 +11792,7 @@
           <a:p>
             <a:fld id="{8F72BA41-EC5B-4197-BCC8-0FD2E523CD7A}" type="datetimeFigureOut">
               <a:rPr lang="en-US" smtClean="0"/>
-              <a:t>8/1/2022</a:t>
+              <a:t>8/2/2022</a:t>
             </a:fld>
             <a:endParaRPr lang="en-US"/>
           </a:p>
@@ -13483,7 +13482,7 @@
             <a:fld id="{8F72BA41-EC5B-4197-BCC8-0FD2E523CD7A}" type="datetimeFigureOut">
               <a:rPr lang="en-US" smtClean="0"/>
               <a:pPr/>
-              <a:t>8/1/2022</a:t>
+              <a:t>8/2/2022</a:t>
             </a:fld>
             <a:endParaRPr lang="en-US" dirty="0"/>
           </a:p>
@@ -16049,988 +16048,6 @@
 <file path=ppt/slides/slide10.xml><?xml version="1.0" encoding="utf-8"?>
 <p:sld xmlns:a="http://schemas.openxmlformats.org/drawingml/2006/main" xmlns:r="http://schemas.openxmlformats.org/officeDocument/2006/relationships" xmlns:p="http://schemas.openxmlformats.org/presentationml/2006/main">
   <p:cSld>
-    <p:spTree>
-      <p:nvGrpSpPr>
-        <p:cNvPr id="1" name=""/>
-        <p:cNvGrpSpPr/>
-        <p:nvPr/>
-      </p:nvGrpSpPr>
-      <p:grpSpPr>
-        <a:xfrm>
-          <a:off x="0" y="0"/>
-          <a:ext cx="0" cy="0"/>
-          <a:chOff x="0" y="0"/>
-          <a:chExt cx="0" cy="0"/>
-        </a:xfrm>
-      </p:grpSpPr>
-      <p:sp>
-        <p:nvSpPr>
-          <p:cNvPr id="2" name="제목 1">
-            <a:extLst>
-              <a:ext uri="{FF2B5EF4-FFF2-40B4-BE49-F238E27FC236}">
-                <a16:creationId xmlns:a16="http://schemas.microsoft.com/office/drawing/2014/main" id="{CFFD4E4E-54A9-599F-72C2-B2CA1DF5986F}"/>
-              </a:ext>
-            </a:extLst>
-          </p:cNvPr>
-          <p:cNvSpPr>
-            <a:spLocks noGrp="1"/>
-          </p:cNvSpPr>
-          <p:nvPr>
-            <p:ph type="title"/>
-          </p:nvPr>
-        </p:nvSpPr>
-        <p:spPr/>
-        <p:txBody>
-          <a:bodyPr/>
-          <a:lstStyle/>
-          <a:p>
-            <a:r>
-              <a:rPr lang="en-US" altLang="ko-KR" dirty="0" err="1"/>
-              <a:t>auto.arima</a:t>
-            </a:r>
-            <a:endParaRPr lang="ko-KR" altLang="en-US" dirty="0"/>
-          </a:p>
-        </p:txBody>
-      </p:sp>
-      <p:sp>
-        <p:nvSpPr>
-          <p:cNvPr id="4" name="Rectangle 1">
-            <a:extLst>
-              <a:ext uri="{FF2B5EF4-FFF2-40B4-BE49-F238E27FC236}">
-                <a16:creationId xmlns:a16="http://schemas.microsoft.com/office/drawing/2014/main" id="{B65B8A57-EBCB-26A9-98A4-4710B8E6BD69}"/>
-              </a:ext>
-            </a:extLst>
-          </p:cNvPr>
-          <p:cNvSpPr>
-            <a:spLocks noGrp="1" noChangeArrowheads="1"/>
-          </p:cNvSpPr>
-          <p:nvPr>
-            <p:ph idx="1"/>
-          </p:nvPr>
-        </p:nvSpPr>
-        <p:spPr bwMode="auto">
-          <a:xfrm>
-            <a:off x="691079" y="2275690"/>
-            <a:ext cx="8275279" cy="3693319"/>
-          </a:xfrm>
-          <a:prstGeom prst="rect">
-            <a:avLst/>
-          </a:prstGeom>
-          <a:noFill/>
-          <a:ln>
-            <a:noFill/>
-          </a:ln>
-          <a:effectLst/>
-          <a:extLst>
-            <a:ext uri="{909E8E84-426E-40DD-AFC4-6F175D3DCCD1}">
-              <a14:hiddenFill xmlns:a14="http://schemas.microsoft.com/office/drawing/2010/main">
-                <a:solidFill>
-                  <a:schemeClr val="accent1"/>
-                </a:solidFill>
-              </a14:hiddenFill>
-            </a:ext>
-            <a:ext uri="{91240B29-F687-4F45-9708-019B960494DF}">
-              <a14:hiddenLine xmlns:a14="http://schemas.microsoft.com/office/drawing/2010/main" w="9525">
-                <a:solidFill>
-                  <a:schemeClr val="tx1"/>
-                </a:solidFill>
-                <a:miter lim="800000"/>
-                <a:headEnd/>
-                <a:tailEnd/>
-              </a14:hiddenLine>
-            </a:ext>
-            <a:ext uri="{AF507438-7753-43E0-B8FC-AC1667EBCBE1}">
-              <a14:hiddenEffects xmlns:a14="http://schemas.microsoft.com/office/drawing/2010/main">
-                <a:effectLst>
-                  <a:outerShdw dist="35921" dir="2700000" algn="ctr" rotWithShape="0">
-                    <a:schemeClr val="bg2"/>
-                  </a:outerShdw>
-                </a:effectLst>
-              </a14:hiddenEffects>
-            </a:ext>
-          </a:extLst>
-        </p:spPr>
-        <p:txBody>
-          <a:bodyPr vert="horz" wrap="none" lIns="91440" tIns="45720" rIns="91440" bIns="45720" numCol="1" anchor="ctr" anchorCtr="0" compatLnSpc="1">
-            <a:prstTxWarp prst="textNoShape">
-              <a:avLst/>
-            </a:prstTxWarp>
-            <a:spAutoFit/>
-          </a:bodyPr>
-          <a:lstStyle/>
-          <a:p>
-            <a:pPr marL="0" lvl="0" indent="0" eaLnBrk="0" fontAlgn="base" hangingPunct="0">
-              <a:lnSpc>
-                <a:spcPct val="100000"/>
-              </a:lnSpc>
-              <a:spcBef>
-                <a:spcPct val="0"/>
-              </a:spcBef>
-              <a:spcAft>
-                <a:spcPct val="0"/>
-              </a:spcAft>
-              <a:buClrTx/>
-              <a:buSzTx/>
-              <a:buNone/>
-            </a:pPr>
-            <a:r>
-              <a:rPr lang="en-US" altLang="ko-KR" sz="1800" dirty="0">
-                <a:solidFill>
-                  <a:srgbClr val="0070C0"/>
-                </a:solidFill>
-                <a:latin typeface="Arial" panose="020B0604020202020204" pitchFamily="34" charset="0"/>
-              </a:rPr>
-              <a:t>ARIMA(2,0,3) </a:t>
-            </a:r>
-            <a:r>
-              <a:rPr lang="en-US" altLang="ko-KR" sz="1800" dirty="0">
-                <a:solidFill>
-                  <a:schemeClr val="tx1"/>
-                </a:solidFill>
-                <a:latin typeface="Arial" panose="020B0604020202020204" pitchFamily="34" charset="0"/>
-              </a:rPr>
-              <a:t>with non-zero mean </a:t>
-            </a:r>
-          </a:p>
-          <a:p>
-            <a:pPr marL="0" lvl="0" indent="0" eaLnBrk="0" fontAlgn="base" hangingPunct="0">
-              <a:lnSpc>
-                <a:spcPct val="100000"/>
-              </a:lnSpc>
-              <a:spcBef>
-                <a:spcPct val="0"/>
-              </a:spcBef>
-              <a:spcAft>
-                <a:spcPct val="0"/>
-              </a:spcAft>
-              <a:buClrTx/>
-              <a:buSzTx/>
-              <a:buNone/>
-            </a:pPr>
-            <a:endParaRPr lang="en-US" altLang="ko-KR" sz="1800" dirty="0">
-              <a:solidFill>
-                <a:schemeClr val="tx1"/>
-              </a:solidFill>
-              <a:latin typeface="Arial" panose="020B0604020202020204" pitchFamily="34" charset="0"/>
-            </a:endParaRPr>
-          </a:p>
-          <a:p>
-            <a:pPr marL="0" lvl="0" indent="0" eaLnBrk="0" fontAlgn="base" hangingPunct="0">
-              <a:lnSpc>
-                <a:spcPct val="100000"/>
-              </a:lnSpc>
-              <a:spcBef>
-                <a:spcPct val="0"/>
-              </a:spcBef>
-              <a:spcAft>
-                <a:spcPct val="0"/>
-              </a:spcAft>
-              <a:buClrTx/>
-              <a:buSzTx/>
-              <a:buNone/>
-            </a:pPr>
-            <a:r>
-              <a:rPr lang="en-US" altLang="ko-KR" sz="1800" dirty="0">
-                <a:solidFill>
-                  <a:schemeClr val="tx1"/>
-                </a:solidFill>
-                <a:latin typeface="Arial" panose="020B0604020202020204" pitchFamily="34" charset="0"/>
-              </a:rPr>
-              <a:t>Coefficients:</a:t>
-            </a:r>
-          </a:p>
-          <a:p>
-            <a:pPr marL="0" lvl="0" indent="0" eaLnBrk="0" fontAlgn="base" hangingPunct="0">
-              <a:lnSpc>
-                <a:spcPct val="100000"/>
-              </a:lnSpc>
-              <a:spcBef>
-                <a:spcPct val="0"/>
-              </a:spcBef>
-              <a:spcAft>
-                <a:spcPct val="0"/>
-              </a:spcAft>
-              <a:buClrTx/>
-              <a:buSzTx/>
-              <a:buNone/>
-            </a:pPr>
-            <a:r>
-              <a:rPr lang="en-US" altLang="ko-KR" sz="1800" dirty="0">
-                <a:solidFill>
-                  <a:schemeClr val="tx1"/>
-                </a:solidFill>
-                <a:latin typeface="Arial" panose="020B0604020202020204" pitchFamily="34" charset="0"/>
-              </a:rPr>
-              <a:t>         ar1     ar2     ma1      ma2      ma3     mean</a:t>
-            </a:r>
-          </a:p>
-          <a:p>
-            <a:pPr marL="0" lvl="0" indent="0" eaLnBrk="0" fontAlgn="base" hangingPunct="0">
-              <a:lnSpc>
-                <a:spcPct val="100000"/>
-              </a:lnSpc>
-              <a:spcBef>
-                <a:spcPct val="0"/>
-              </a:spcBef>
-              <a:spcAft>
-                <a:spcPct val="0"/>
-              </a:spcAft>
-              <a:buClrTx/>
-              <a:buSzTx/>
-              <a:buNone/>
-            </a:pPr>
-            <a:r>
-              <a:rPr lang="en-US" altLang="ko-KR" sz="1800" dirty="0">
-                <a:solidFill>
-                  <a:schemeClr val="tx1"/>
-                </a:solidFill>
-                <a:latin typeface="Arial" panose="020B0604020202020204" pitchFamily="34" charset="0"/>
-              </a:rPr>
-              <a:t>      0.1987  0.6279  0.2882  -0.4812  -0.2353  16.5396</a:t>
-            </a:r>
-          </a:p>
-          <a:p>
-            <a:pPr marL="0" lvl="0" indent="0" eaLnBrk="0" fontAlgn="base" hangingPunct="0">
-              <a:lnSpc>
-                <a:spcPct val="100000"/>
-              </a:lnSpc>
-              <a:spcBef>
-                <a:spcPct val="0"/>
-              </a:spcBef>
-              <a:spcAft>
-                <a:spcPct val="0"/>
-              </a:spcAft>
-              <a:buClrTx/>
-              <a:buSzTx/>
-              <a:buNone/>
-            </a:pPr>
-            <a:r>
-              <a:rPr lang="en-US" altLang="ko-KR" sz="1800" dirty="0" err="1">
-                <a:solidFill>
-                  <a:schemeClr val="tx1"/>
-                </a:solidFill>
-                <a:latin typeface="Arial" panose="020B0604020202020204" pitchFamily="34" charset="0"/>
-              </a:rPr>
-              <a:t>s.e.</a:t>
-            </a:r>
-            <a:r>
-              <a:rPr lang="en-US" altLang="ko-KR" sz="1800" dirty="0">
-                <a:solidFill>
-                  <a:schemeClr val="tx1"/>
-                </a:solidFill>
-                <a:latin typeface="Arial" panose="020B0604020202020204" pitchFamily="34" charset="0"/>
-              </a:rPr>
-              <a:t>  0.0622  0.0504  0.0623   0.0336   0.0182   2.3977</a:t>
-            </a:r>
-          </a:p>
-          <a:p>
-            <a:pPr marL="0" lvl="0" indent="0" eaLnBrk="0" fontAlgn="base" hangingPunct="0">
-              <a:lnSpc>
-                <a:spcPct val="100000"/>
-              </a:lnSpc>
-              <a:spcBef>
-                <a:spcPct val="0"/>
-              </a:spcBef>
-              <a:spcAft>
-                <a:spcPct val="0"/>
-              </a:spcAft>
-              <a:buClrTx/>
-              <a:buSzTx/>
-              <a:buNone/>
-            </a:pPr>
-            <a:endParaRPr lang="en-US" altLang="ko-KR" sz="1800" dirty="0">
-              <a:solidFill>
-                <a:schemeClr val="tx1"/>
-              </a:solidFill>
-              <a:latin typeface="Arial" panose="020B0604020202020204" pitchFamily="34" charset="0"/>
-            </a:endParaRPr>
-          </a:p>
-          <a:p>
-            <a:pPr marL="0" lvl="0" indent="0" eaLnBrk="0" fontAlgn="base" hangingPunct="0">
-              <a:lnSpc>
-                <a:spcPct val="100000"/>
-              </a:lnSpc>
-              <a:spcBef>
-                <a:spcPct val="0"/>
-              </a:spcBef>
-              <a:spcAft>
-                <a:spcPct val="0"/>
-              </a:spcAft>
-              <a:buClrTx/>
-              <a:buSzTx/>
-              <a:buNone/>
-            </a:pPr>
-            <a:r>
-              <a:rPr lang="en-US" altLang="ko-KR" sz="1800" dirty="0">
-                <a:solidFill>
-                  <a:schemeClr val="tx1"/>
-                </a:solidFill>
-                <a:latin typeface="Arial" panose="020B0604020202020204" pitchFamily="34" charset="0"/>
-              </a:rPr>
-              <a:t>sigma^2 = 2907:  log likelihood = -29618.86</a:t>
-            </a:r>
-          </a:p>
-          <a:p>
-            <a:pPr marL="0" lvl="0" indent="0" eaLnBrk="0" fontAlgn="base" hangingPunct="0">
-              <a:lnSpc>
-                <a:spcPct val="100000"/>
-              </a:lnSpc>
-              <a:spcBef>
-                <a:spcPct val="0"/>
-              </a:spcBef>
-              <a:spcAft>
-                <a:spcPct val="0"/>
-              </a:spcAft>
-              <a:buClrTx/>
-              <a:buSzTx/>
-              <a:buNone/>
-            </a:pPr>
-            <a:r>
-              <a:rPr lang="en-US" altLang="ko-KR" sz="1800" dirty="0">
-                <a:solidFill>
-                  <a:srgbClr val="FF0000"/>
-                </a:solidFill>
-                <a:latin typeface="Arial" panose="020B0604020202020204" pitchFamily="34" charset="0"/>
-              </a:rPr>
-              <a:t>AIC=59251.72   </a:t>
-            </a:r>
-            <a:r>
-              <a:rPr lang="en-US" altLang="ko-KR" sz="1800" dirty="0" err="1">
-                <a:solidFill>
-                  <a:srgbClr val="FF0000"/>
-                </a:solidFill>
-                <a:latin typeface="Arial" panose="020B0604020202020204" pitchFamily="34" charset="0"/>
-              </a:rPr>
-              <a:t>AICc</a:t>
-            </a:r>
-            <a:r>
-              <a:rPr lang="en-US" altLang="ko-KR" sz="1800" dirty="0">
-                <a:solidFill>
-                  <a:srgbClr val="FF0000"/>
-                </a:solidFill>
-                <a:latin typeface="Arial" panose="020B0604020202020204" pitchFamily="34" charset="0"/>
-              </a:rPr>
-              <a:t>=59251.74   BIC=59297.98</a:t>
-            </a:r>
-          </a:p>
-          <a:p>
-            <a:pPr marL="0" lvl="0" indent="0" eaLnBrk="0" fontAlgn="base" hangingPunct="0">
-              <a:lnSpc>
-                <a:spcPct val="100000"/>
-              </a:lnSpc>
-              <a:spcBef>
-                <a:spcPct val="0"/>
-              </a:spcBef>
-              <a:spcAft>
-                <a:spcPct val="0"/>
-              </a:spcAft>
-              <a:buClrTx/>
-              <a:buSzTx/>
-              <a:buNone/>
-            </a:pPr>
-            <a:endParaRPr lang="en-US" altLang="ko-KR" sz="1800" dirty="0">
-              <a:solidFill>
-                <a:schemeClr val="tx1"/>
-              </a:solidFill>
-              <a:latin typeface="Arial" panose="020B0604020202020204" pitchFamily="34" charset="0"/>
-            </a:endParaRPr>
-          </a:p>
-          <a:p>
-            <a:pPr marL="0" lvl="0" indent="0" eaLnBrk="0" fontAlgn="base" hangingPunct="0">
-              <a:lnSpc>
-                <a:spcPct val="100000"/>
-              </a:lnSpc>
-              <a:spcBef>
-                <a:spcPct val="0"/>
-              </a:spcBef>
-              <a:spcAft>
-                <a:spcPct val="0"/>
-              </a:spcAft>
-              <a:buClrTx/>
-              <a:buSzTx/>
-              <a:buNone/>
-            </a:pPr>
-            <a:r>
-              <a:rPr lang="en-US" altLang="ko-KR" sz="1800" dirty="0">
-                <a:solidFill>
-                  <a:schemeClr val="tx1"/>
-                </a:solidFill>
-                <a:latin typeface="Arial" panose="020B0604020202020204" pitchFamily="34" charset="0"/>
-              </a:rPr>
-              <a:t>Training set error measures:</a:t>
-            </a:r>
-          </a:p>
-          <a:p>
-            <a:pPr marL="0" lvl="0" indent="0" eaLnBrk="0" fontAlgn="base" hangingPunct="0">
-              <a:lnSpc>
-                <a:spcPct val="100000"/>
-              </a:lnSpc>
-              <a:spcBef>
-                <a:spcPct val="0"/>
-              </a:spcBef>
-              <a:spcAft>
-                <a:spcPct val="0"/>
-              </a:spcAft>
-              <a:buClrTx/>
-              <a:buSzTx/>
-              <a:buNone/>
-            </a:pPr>
-            <a:r>
-              <a:rPr lang="en-US" altLang="ko-KR" sz="1800" dirty="0">
-                <a:solidFill>
-                  <a:schemeClr val="tx1"/>
-                </a:solidFill>
-                <a:latin typeface="Arial" panose="020B0604020202020204" pitchFamily="34" charset="0"/>
-              </a:rPr>
-              <a:t>                       ME     RMSE      MAE  MPE MAPE     MASE        ACF1</a:t>
-            </a:r>
-          </a:p>
-          <a:p>
-            <a:pPr marL="0" lvl="0" indent="0" eaLnBrk="0" fontAlgn="base" hangingPunct="0">
-              <a:lnSpc>
-                <a:spcPct val="100000"/>
-              </a:lnSpc>
-              <a:spcBef>
-                <a:spcPct val="0"/>
-              </a:spcBef>
-              <a:spcAft>
-                <a:spcPct val="0"/>
-              </a:spcAft>
-              <a:buClrTx/>
-              <a:buSzTx/>
-              <a:buNone/>
-            </a:pPr>
-            <a:r>
-              <a:rPr lang="en-US" altLang="ko-KR" sz="1800" dirty="0">
-                <a:solidFill>
-                  <a:schemeClr val="tx1"/>
-                </a:solidFill>
-                <a:latin typeface="Arial" panose="020B0604020202020204" pitchFamily="34" charset="0"/>
-              </a:rPr>
-              <a:t>Training set -0.003383558 53.88799 13.87626 -Inf  </a:t>
-            </a:r>
-            <a:r>
-              <a:rPr lang="en-US" altLang="ko-KR" sz="1800" dirty="0" err="1">
-                <a:solidFill>
-                  <a:schemeClr val="tx1"/>
-                </a:solidFill>
-                <a:latin typeface="Arial" panose="020B0604020202020204" pitchFamily="34" charset="0"/>
-              </a:rPr>
-              <a:t>Inf</a:t>
-            </a:r>
-            <a:r>
-              <a:rPr lang="en-US" altLang="ko-KR" sz="1800" dirty="0">
-                <a:solidFill>
-                  <a:schemeClr val="tx1"/>
-                </a:solidFill>
-                <a:latin typeface="Arial" panose="020B0604020202020204" pitchFamily="34" charset="0"/>
-              </a:rPr>
-              <a:t> 1.204114 6.48917e-05</a:t>
-            </a:r>
-            <a:endParaRPr kumimoji="0" lang="ko-KR" altLang="ko-KR" sz="1800" b="0" i="0" u="none" strike="noStrike" cap="none" normalizeH="0" baseline="0" dirty="0">
-              <a:ln>
-                <a:noFill/>
-              </a:ln>
-              <a:solidFill>
-                <a:schemeClr val="tx1"/>
-              </a:solidFill>
-              <a:effectLst/>
-              <a:latin typeface="Arial" panose="020B0604020202020204" pitchFamily="34" charset="0"/>
-            </a:endParaRPr>
-          </a:p>
-        </p:txBody>
-      </p:sp>
-      <mc:AlternateContent xmlns:mc="http://schemas.openxmlformats.org/markup-compatibility/2006" xmlns:a14="http://schemas.microsoft.com/office/drawing/2010/main">
-        <mc:Choice Requires="a14">
-          <p:sp>
-            <p:nvSpPr>
-              <p:cNvPr id="5" name="TextBox 4">
-                <a:extLst>
-                  <a:ext uri="{FF2B5EF4-FFF2-40B4-BE49-F238E27FC236}">
-                    <a16:creationId xmlns:a16="http://schemas.microsoft.com/office/drawing/2014/main" id="{57D9CCC2-F545-B68E-365A-415FB26C478D}"/>
-                  </a:ext>
-                </a:extLst>
-              </p:cNvPr>
-              <p:cNvSpPr txBox="1"/>
-              <p:nvPr/>
-            </p:nvSpPr>
-            <p:spPr>
-              <a:xfrm>
-                <a:off x="5764200" y="1374579"/>
-                <a:ext cx="5964903" cy="646331"/>
-              </a:xfrm>
-              <a:prstGeom prst="rect">
-                <a:avLst/>
-              </a:prstGeom>
-              <a:noFill/>
-            </p:spPr>
-            <p:txBody>
-              <a:bodyPr wrap="none" rtlCol="0">
-                <a:spAutoFit/>
-              </a:bodyPr>
-              <a:lstStyle/>
-              <a:p>
-                <a:r>
-                  <a:rPr lang="en-US" altLang="ko-KR" dirty="0"/>
-                  <a:t>AR(2), MA(3)</a:t>
-                </a:r>
-              </a:p>
-              <a:p>
-                <a:pPr/>
-                <a14:m>
-                  <m:oMathPara xmlns:m="http://schemas.openxmlformats.org/officeDocument/2006/math">
-                    <m:oMathParaPr>
-                      <m:jc m:val="centerGroup"/>
-                    </m:oMathParaPr>
-                    <m:oMath xmlns:m="http://schemas.openxmlformats.org/officeDocument/2006/math">
-                      <m:sSub>
-                        <m:sSubPr>
-                          <m:ctrlPr>
-                            <a:rPr lang="ko-KR" altLang="en-US" i="1" smtClean="0">
-                              <a:solidFill>
-                                <a:srgbClr val="836967"/>
-                              </a:solidFill>
-                              <a:latin typeface="Cambria Math" panose="02040503050406030204" pitchFamily="18" charset="0"/>
-                            </a:rPr>
-                          </m:ctrlPr>
-                        </m:sSubPr>
-                        <m:e>
-                          <m:r>
-                            <a:rPr lang="ko-KR" altLang="en-US" i="1" smtClean="0">
-                              <a:latin typeface="Cambria Math" panose="02040503050406030204" pitchFamily="18" charset="0"/>
-                            </a:rPr>
-                            <m:t>𝑦</m:t>
-                          </m:r>
-                        </m:e>
-                        <m:sub>
-                          <m:r>
-                            <a:rPr lang="ko-KR" altLang="en-US" i="1" smtClean="0">
-                              <a:latin typeface="Cambria Math" panose="02040503050406030204" pitchFamily="18" charset="0"/>
-                            </a:rPr>
-                            <m:t>𝑡</m:t>
-                          </m:r>
-                        </m:sub>
-                      </m:sSub>
-                      <m:r>
-                        <a:rPr lang="ko-KR" altLang="en-US" i="1" smtClean="0">
-                          <a:latin typeface="Cambria Math" panose="02040503050406030204" pitchFamily="18" charset="0"/>
-                        </a:rPr>
-                        <m:t>=</m:t>
-                      </m:r>
-                      <m:r>
-                        <a:rPr lang="en-US" altLang="ko-KR" b="0" i="1" smtClean="0">
-                          <a:latin typeface="Cambria Math" panose="02040503050406030204" pitchFamily="18" charset="0"/>
-                        </a:rPr>
-                        <m:t>0.2</m:t>
-                      </m:r>
-                      <m:sSub>
-                        <m:sSubPr>
-                          <m:ctrlPr>
-                            <a:rPr lang="ko-KR" altLang="en-US" i="1" smtClean="0">
-                              <a:solidFill>
-                                <a:srgbClr val="836967"/>
-                              </a:solidFill>
-                              <a:latin typeface="Cambria Math" panose="02040503050406030204" pitchFamily="18" charset="0"/>
-                            </a:rPr>
-                          </m:ctrlPr>
-                        </m:sSubPr>
-                        <m:e>
-                          <m:r>
-                            <a:rPr lang="ko-KR" altLang="en-US" i="1" smtClean="0">
-                              <a:latin typeface="Cambria Math" panose="02040503050406030204" pitchFamily="18" charset="0"/>
-                            </a:rPr>
-                            <m:t>𝑦</m:t>
-                          </m:r>
-                        </m:e>
-                        <m:sub>
-                          <m:r>
-                            <a:rPr lang="ko-KR" altLang="en-US" i="1" smtClean="0">
-                              <a:latin typeface="Cambria Math" panose="02040503050406030204" pitchFamily="18" charset="0"/>
-                            </a:rPr>
-                            <m:t>𝑡</m:t>
-                          </m:r>
-                          <m:r>
-                            <a:rPr lang="ko-KR" altLang="en-US" i="1" smtClean="0">
-                              <a:latin typeface="Cambria Math" panose="02040503050406030204" pitchFamily="18" charset="0"/>
-                            </a:rPr>
-                            <m:t>−1</m:t>
-                          </m:r>
-                        </m:sub>
-                      </m:sSub>
-                      <m:r>
-                        <a:rPr lang="en-US" altLang="ko-KR" b="0" i="0" smtClean="0">
-                          <a:latin typeface="Cambria Math" panose="02040503050406030204" pitchFamily="18" charset="0"/>
-                        </a:rPr>
-                        <m:t>+</m:t>
-                      </m:r>
-                      <m:r>
-                        <a:rPr lang="en-US" altLang="ko-KR" b="0" i="1" smtClean="0">
-                          <a:latin typeface="Cambria Math" panose="02040503050406030204" pitchFamily="18" charset="0"/>
-                        </a:rPr>
-                        <m:t>0.6</m:t>
-                      </m:r>
-                      <m:sSub>
-                        <m:sSubPr>
-                          <m:ctrlPr>
-                            <a:rPr lang="ko-KR" altLang="en-US" i="1" smtClean="0">
-                              <a:solidFill>
-                                <a:srgbClr val="836967"/>
-                              </a:solidFill>
-                              <a:latin typeface="Cambria Math" panose="02040503050406030204" pitchFamily="18" charset="0"/>
-                            </a:rPr>
-                          </m:ctrlPr>
-                        </m:sSubPr>
-                        <m:e>
-                          <m:r>
-                            <a:rPr lang="ko-KR" altLang="en-US" i="1" smtClean="0">
-                              <a:latin typeface="Cambria Math" panose="02040503050406030204" pitchFamily="18" charset="0"/>
-                            </a:rPr>
-                            <m:t>𝑦</m:t>
-                          </m:r>
-                        </m:e>
-                        <m:sub>
-                          <m:r>
-                            <a:rPr lang="ko-KR" altLang="en-US" i="1" smtClean="0">
-                              <a:latin typeface="Cambria Math" panose="02040503050406030204" pitchFamily="18" charset="0"/>
-                            </a:rPr>
-                            <m:t>𝑡</m:t>
-                          </m:r>
-                          <m:r>
-                            <a:rPr lang="ko-KR" altLang="en-US" i="1" smtClean="0">
-                              <a:latin typeface="Cambria Math" panose="02040503050406030204" pitchFamily="18" charset="0"/>
-                            </a:rPr>
-                            <m:t>−2</m:t>
-                          </m:r>
-                        </m:sub>
-                      </m:sSub>
-                      <m:r>
-                        <a:rPr lang="en-US" altLang="ko-KR" b="0" i="0" smtClean="0">
-                          <a:latin typeface="Cambria Math" panose="02040503050406030204" pitchFamily="18" charset="0"/>
-                        </a:rPr>
-                        <m:t>+</m:t>
-                      </m:r>
-                      <m:r>
-                        <a:rPr lang="ko-KR" altLang="en-US" i="0" dirty="0">
-                          <a:latin typeface="Cambria Math" panose="02040503050406030204" pitchFamily="18" charset="0"/>
-                        </a:rPr>
-                        <m:t>0.</m:t>
-                      </m:r>
-                      <m:r>
-                        <a:rPr lang="en-US" altLang="ko-KR" b="0" i="1" dirty="0" smtClean="0">
-                          <a:latin typeface="Cambria Math" panose="02040503050406030204" pitchFamily="18" charset="0"/>
-                        </a:rPr>
-                        <m:t>3</m:t>
-                      </m:r>
-                      <m:sSub>
-                        <m:sSubPr>
-                          <m:ctrlPr>
-                            <a:rPr lang="ko-KR" altLang="en-US" i="1" dirty="0">
-                              <a:solidFill>
-                                <a:srgbClr val="836967"/>
-                              </a:solidFill>
-                              <a:latin typeface="Cambria Math" panose="02040503050406030204" pitchFamily="18" charset="0"/>
-                            </a:rPr>
-                          </m:ctrlPr>
-                        </m:sSubPr>
-                        <m:e>
-                          <m:r>
-                            <a:rPr lang="ko-KR" altLang="en-US" i="1" dirty="0">
-                              <a:latin typeface="Cambria Math" panose="02040503050406030204" pitchFamily="18" charset="0"/>
-                            </a:rPr>
-                            <m:t>𝑓</m:t>
-                          </m:r>
-                        </m:e>
-                        <m:sub>
-                          <m:r>
-                            <a:rPr lang="ko-KR" altLang="en-US" i="1" dirty="0">
-                              <a:latin typeface="Cambria Math" panose="02040503050406030204" pitchFamily="18" charset="0"/>
-                            </a:rPr>
-                            <m:t>𝑡</m:t>
-                          </m:r>
-                          <m:r>
-                            <a:rPr lang="ko-KR" altLang="en-US" i="0" dirty="0">
-                              <a:latin typeface="Cambria Math" panose="02040503050406030204" pitchFamily="18" charset="0"/>
-                            </a:rPr>
-                            <m:t>−1</m:t>
-                          </m:r>
-                        </m:sub>
-                      </m:sSub>
-                      <m:r>
-                        <a:rPr lang="ko-KR" altLang="en-US" i="0" dirty="0">
-                          <a:latin typeface="Cambria Math" panose="02040503050406030204" pitchFamily="18" charset="0"/>
-                        </a:rPr>
-                        <m:t>−0.</m:t>
-                      </m:r>
-                      <m:r>
-                        <a:rPr lang="en-US" altLang="ko-KR" b="0" i="1" dirty="0" smtClean="0">
-                          <a:latin typeface="Cambria Math" panose="02040503050406030204" pitchFamily="18" charset="0"/>
-                        </a:rPr>
-                        <m:t>5</m:t>
-                      </m:r>
-                      <m:sSub>
-                        <m:sSubPr>
-                          <m:ctrlPr>
-                            <a:rPr lang="ko-KR" altLang="en-US" i="1" dirty="0">
-                              <a:solidFill>
-                                <a:srgbClr val="836967"/>
-                              </a:solidFill>
-                              <a:latin typeface="Cambria Math" panose="02040503050406030204" pitchFamily="18" charset="0"/>
-                            </a:rPr>
-                          </m:ctrlPr>
-                        </m:sSubPr>
-                        <m:e>
-                          <m:r>
-                            <a:rPr lang="ko-KR" altLang="en-US" i="1" dirty="0">
-                              <a:latin typeface="Cambria Math" panose="02040503050406030204" pitchFamily="18" charset="0"/>
-                            </a:rPr>
-                            <m:t>𝑓</m:t>
-                          </m:r>
-                        </m:e>
-                        <m:sub>
-                          <m:r>
-                            <a:rPr lang="ko-KR" altLang="en-US" i="1" dirty="0">
-                              <a:latin typeface="Cambria Math" panose="02040503050406030204" pitchFamily="18" charset="0"/>
-                            </a:rPr>
-                            <m:t>𝑡</m:t>
-                          </m:r>
-                          <m:r>
-                            <a:rPr lang="ko-KR" altLang="en-US" i="0" dirty="0">
-                              <a:latin typeface="Cambria Math" panose="02040503050406030204" pitchFamily="18" charset="0"/>
-                            </a:rPr>
-                            <m:t>−2</m:t>
-                          </m:r>
-                        </m:sub>
-                      </m:sSub>
-                      <m:r>
-                        <a:rPr lang="ko-KR" altLang="en-US" i="0" dirty="0" smtClean="0">
-                          <a:latin typeface="Cambria Math" panose="02040503050406030204" pitchFamily="18" charset="0"/>
-                        </a:rPr>
-                        <m:t>−0.</m:t>
-                      </m:r>
-                      <m:r>
-                        <a:rPr lang="en-US" altLang="ko-KR" b="0" i="1" dirty="0" smtClean="0">
-                          <a:latin typeface="Cambria Math" panose="02040503050406030204" pitchFamily="18" charset="0"/>
-                        </a:rPr>
-                        <m:t>2</m:t>
-                      </m:r>
-                      <m:sSub>
-                        <m:sSubPr>
-                          <m:ctrlPr>
-                            <a:rPr lang="ko-KR" altLang="en-US" i="1" dirty="0">
-                              <a:solidFill>
-                                <a:srgbClr val="836967"/>
-                              </a:solidFill>
-                              <a:latin typeface="Cambria Math" panose="02040503050406030204" pitchFamily="18" charset="0"/>
-                            </a:rPr>
-                          </m:ctrlPr>
-                        </m:sSubPr>
-                        <m:e>
-                          <m:r>
-                            <a:rPr lang="ko-KR" altLang="en-US" i="1" dirty="0">
-                              <a:latin typeface="Cambria Math" panose="02040503050406030204" pitchFamily="18" charset="0"/>
-                            </a:rPr>
-                            <m:t>𝑓</m:t>
-                          </m:r>
-                        </m:e>
-                        <m:sub>
-                          <m:r>
-                            <a:rPr lang="ko-KR" altLang="en-US" i="1" dirty="0">
-                              <a:latin typeface="Cambria Math" panose="02040503050406030204" pitchFamily="18" charset="0"/>
-                            </a:rPr>
-                            <m:t>𝑡</m:t>
-                          </m:r>
-                          <m:r>
-                            <a:rPr lang="ko-KR" altLang="en-US" i="0" dirty="0">
-                              <a:latin typeface="Cambria Math" panose="02040503050406030204" pitchFamily="18" charset="0"/>
-                            </a:rPr>
-                            <m:t>−</m:t>
-                          </m:r>
-                          <m:r>
-                            <a:rPr lang="en-US" altLang="ko-KR" b="0" i="1" dirty="0" smtClean="0">
-                              <a:latin typeface="Cambria Math" panose="02040503050406030204" pitchFamily="18" charset="0"/>
-                            </a:rPr>
-                            <m:t>3</m:t>
-                          </m:r>
-                        </m:sub>
-                      </m:sSub>
-                      <m:r>
-                        <a:rPr lang="ko-KR" altLang="en-US" i="0" dirty="0">
-                          <a:latin typeface="Cambria Math" panose="02040503050406030204" pitchFamily="18" charset="0"/>
-                        </a:rPr>
-                        <m:t>+</m:t>
-                      </m:r>
-                      <m:sSub>
-                        <m:sSubPr>
-                          <m:ctrlPr>
-                            <a:rPr lang="ko-KR" altLang="en-US" i="1" dirty="0">
-                              <a:solidFill>
-                                <a:srgbClr val="836967"/>
-                              </a:solidFill>
-                              <a:latin typeface="Cambria Math" panose="02040503050406030204" pitchFamily="18" charset="0"/>
-                            </a:rPr>
-                          </m:ctrlPr>
-                        </m:sSubPr>
-                        <m:e>
-                          <m:r>
-                            <a:rPr lang="ko-KR" altLang="en-US" i="1" dirty="0">
-                              <a:latin typeface="Cambria Math" panose="02040503050406030204" pitchFamily="18" charset="0"/>
-                            </a:rPr>
-                            <m:t>𝜖</m:t>
-                          </m:r>
-                        </m:e>
-                        <m:sub>
-                          <m:r>
-                            <a:rPr lang="ko-KR" altLang="en-US" i="1" dirty="0">
-                              <a:latin typeface="Cambria Math" panose="02040503050406030204" pitchFamily="18" charset="0"/>
-                            </a:rPr>
-                            <m:t>𝑡</m:t>
-                          </m:r>
-                        </m:sub>
-                      </m:sSub>
-                    </m:oMath>
-                  </m:oMathPara>
-                </a14:m>
-                <a:endParaRPr lang="ko-KR" altLang="en-US" dirty="0"/>
-              </a:p>
-            </p:txBody>
-          </p:sp>
-        </mc:Choice>
-        <mc:Fallback xmlns="">
-          <p:sp>
-            <p:nvSpPr>
-              <p:cNvPr id="5" name="TextBox 4">
-                <a:extLst>
-                  <a:ext uri="{FF2B5EF4-FFF2-40B4-BE49-F238E27FC236}">
-                    <a16:creationId xmlns:a16="http://schemas.microsoft.com/office/drawing/2014/main" id="{57D9CCC2-F545-B68E-365A-415FB26C478D}"/>
-                  </a:ext>
-                </a:extLst>
-              </p:cNvPr>
-              <p:cNvSpPr txBox="1">
-                <a:spLocks noRot="1" noChangeAspect="1" noMove="1" noResize="1" noEditPoints="1" noAdjustHandles="1" noChangeArrowheads="1" noChangeShapeType="1" noTextEdit="1"/>
-              </p:cNvSpPr>
-              <p:nvPr/>
-            </p:nvSpPr>
-            <p:spPr>
-              <a:xfrm>
-                <a:off x="5764200" y="1374579"/>
-                <a:ext cx="5964903" cy="646331"/>
-              </a:xfrm>
-              <a:prstGeom prst="rect">
-                <a:avLst/>
-              </a:prstGeom>
-              <a:blipFill>
-                <a:blip r:embed="rId2"/>
-                <a:stretch>
-                  <a:fillRect l="-920" t="-4673" b="-7477"/>
-                </a:stretch>
-              </a:blipFill>
-            </p:spPr>
-            <p:txBody>
-              <a:bodyPr/>
-              <a:lstStyle/>
-              <a:p>
-                <a:r>
-                  <a:rPr lang="ko-KR" altLang="en-US">
-                    <a:noFill/>
-                  </a:rPr>
-                  <a:t> </a:t>
-                </a:r>
-              </a:p>
-            </p:txBody>
-          </p:sp>
-        </mc:Fallback>
-      </mc:AlternateContent>
-      <p:sp>
-        <p:nvSpPr>
-          <p:cNvPr id="7" name="TextBox 6">
-            <a:extLst>
-              <a:ext uri="{FF2B5EF4-FFF2-40B4-BE49-F238E27FC236}">
-                <a16:creationId xmlns:a16="http://schemas.microsoft.com/office/drawing/2014/main" id="{2E50E433-97DD-EDE2-1ECE-C4A1AB6BBAA4}"/>
-              </a:ext>
-            </a:extLst>
-          </p:cNvPr>
-          <p:cNvSpPr txBox="1"/>
-          <p:nvPr/>
-        </p:nvSpPr>
-        <p:spPr>
-          <a:xfrm>
-            <a:off x="7451387" y="2412460"/>
-            <a:ext cx="3015569" cy="1200329"/>
-          </a:xfrm>
-          <a:prstGeom prst="rect">
-            <a:avLst/>
-          </a:prstGeom>
-          <a:noFill/>
-        </p:spPr>
-        <p:txBody>
-          <a:bodyPr wrap="none" rtlCol="0">
-            <a:spAutoFit/>
-          </a:bodyPr>
-          <a:lstStyle/>
-          <a:p>
-            <a:r>
-              <a:rPr lang="ko-KR" altLang="en-US" dirty="0"/>
-              <a:t>예측모형 적합도</a:t>
-            </a:r>
-            <a:endParaRPr lang="en-US" altLang="ko-KR" dirty="0"/>
-          </a:p>
-          <a:p>
-            <a:endParaRPr lang="en-US" altLang="ko-KR" dirty="0"/>
-          </a:p>
-          <a:p>
-            <a:r>
-              <a:rPr lang="en-US" altLang="ko-KR" dirty="0"/>
-              <a:t>ME : -0.0</a:t>
-            </a:r>
-            <a:r>
-              <a:rPr lang="ko-KR" altLang="en-US" dirty="0"/>
-              <a:t>         </a:t>
-            </a:r>
-            <a:r>
-              <a:rPr lang="en-US" altLang="ko-KR" dirty="0"/>
-              <a:t>RMSE</a:t>
-            </a:r>
-            <a:r>
-              <a:rPr lang="ko-KR" altLang="en-US" dirty="0"/>
-              <a:t> </a:t>
-            </a:r>
-            <a:r>
-              <a:rPr lang="en-US" altLang="ko-KR" dirty="0"/>
-              <a:t>:</a:t>
-            </a:r>
-            <a:r>
-              <a:rPr lang="ko-KR" altLang="en-US" dirty="0"/>
-              <a:t> </a:t>
-            </a:r>
-            <a:r>
-              <a:rPr lang="en-US" altLang="ko-KR" dirty="0"/>
-              <a:t>53.9</a:t>
-            </a:r>
-          </a:p>
-          <a:p>
-            <a:r>
-              <a:rPr lang="en-US" altLang="ko-KR" dirty="0"/>
-              <a:t>MAE : 13.88    MAPE : -inf    </a:t>
-            </a:r>
-          </a:p>
-        </p:txBody>
-      </p:sp>
-    </p:spTree>
-    <p:extLst>
-      <p:ext uri="{BB962C8B-B14F-4D97-AF65-F5344CB8AC3E}">
-        <p14:creationId xmlns:p14="http://schemas.microsoft.com/office/powerpoint/2010/main" val="1706976087"/>
-      </p:ext>
-    </p:extLst>
-  </p:cSld>
-  <p:clrMapOvr>
-    <a:masterClrMapping/>
-  </p:clrMapOvr>
-</p:sld>
-</file>
-
-<file path=ppt/slides/slide11.xml><?xml version="1.0" encoding="utf-8"?>
-<p:sld xmlns:a="http://schemas.openxmlformats.org/drawingml/2006/main" xmlns:r="http://schemas.openxmlformats.org/officeDocument/2006/relationships" xmlns:p="http://schemas.openxmlformats.org/presentationml/2006/main">
-  <p:cSld>
     <p:bg>
       <p:bgPr>
         <a:solidFill>
@@ -20814,7 +19831,7 @@
 </p:sld>
 </file>
 
-<file path=ppt/slides/slide12.xml><?xml version="1.0" encoding="utf-8"?>
+<file path=ppt/slides/slide11.xml><?xml version="1.0" encoding="utf-8"?>
 <p:sld xmlns:a="http://schemas.openxmlformats.org/drawingml/2006/main" xmlns:r="http://schemas.openxmlformats.org/officeDocument/2006/relationships" xmlns:p="http://schemas.openxmlformats.org/presentationml/2006/main">
   <p:cSld>
     <p:spTree>
@@ -21027,7 +20044,7 @@
 </p:sld>
 </file>
 
-<file path=ppt/slides/slide13.xml><?xml version="1.0" encoding="utf-8"?>
+<file path=ppt/slides/slide12.xml><?xml version="1.0" encoding="utf-8"?>
 <p:sld xmlns:a="http://schemas.openxmlformats.org/drawingml/2006/main" xmlns:r="http://schemas.openxmlformats.org/officeDocument/2006/relationships" xmlns:p="http://schemas.openxmlformats.org/presentationml/2006/main" show="0">
   <p:cSld>
     <p:spTree>
@@ -21329,7 +20346,7 @@
 </p:sld>
 </file>
 
-<file path=ppt/slides/slide14.xml><?xml version="1.0" encoding="utf-8"?>
+<file path=ppt/slides/slide13.xml><?xml version="1.0" encoding="utf-8"?>
 <p:sld xmlns:a="http://schemas.openxmlformats.org/drawingml/2006/main" xmlns:r="http://schemas.openxmlformats.org/officeDocument/2006/relationships" xmlns:p="http://schemas.openxmlformats.org/presentationml/2006/main">
   <p:cSld>
     <p:spTree>
@@ -23889,7 +22906,7 @@
 </p:sld>
 </file>
 
-<file path=ppt/slides/slide15.xml><?xml version="1.0" encoding="utf-8"?>
+<file path=ppt/slides/slide14.xml><?xml version="1.0" encoding="utf-8"?>
 <p:sld xmlns:a="http://schemas.openxmlformats.org/drawingml/2006/main" xmlns:r="http://schemas.openxmlformats.org/officeDocument/2006/relationships" xmlns:p="http://schemas.openxmlformats.org/presentationml/2006/main" show="0">
   <p:cSld>
     <p:spTree>
@@ -24037,7 +23054,7 @@
 </p:sld>
 </file>
 
-<file path=ppt/slides/slide16.xml><?xml version="1.0" encoding="utf-8"?>
+<file path=ppt/slides/slide15.xml><?xml version="1.0" encoding="utf-8"?>
 <p:sld xmlns:a="http://schemas.openxmlformats.org/drawingml/2006/main" xmlns:r="http://schemas.openxmlformats.org/officeDocument/2006/relationships" xmlns:p="http://schemas.openxmlformats.org/presentationml/2006/main" show="0">
   <p:cSld>
     <p:spTree>
@@ -24581,7 +23598,7 @@
 </p:sld>
 </file>
 
-<file path=ppt/slides/slide17.xml><?xml version="1.0" encoding="utf-8"?>
+<file path=ppt/slides/slide16.xml><?xml version="1.0" encoding="utf-8"?>
 <p:sld xmlns:a="http://schemas.openxmlformats.org/drawingml/2006/main" xmlns:r="http://schemas.openxmlformats.org/officeDocument/2006/relationships" xmlns:p="http://schemas.openxmlformats.org/presentationml/2006/main" show="0">
   <p:cSld>
     <p:spTree>
@@ -24707,7 +23724,7 @@
 </p:sld>
 </file>
 
-<file path=ppt/slides/slide18.xml><?xml version="1.0" encoding="utf-8"?>
+<file path=ppt/slides/slide17.xml><?xml version="1.0" encoding="utf-8"?>
 <p:sld xmlns:a="http://schemas.openxmlformats.org/drawingml/2006/main" xmlns:r="http://schemas.openxmlformats.org/officeDocument/2006/relationships" xmlns:p="http://schemas.openxmlformats.org/presentationml/2006/main" show="0">
   <p:cSld>
     <p:spTree>
@@ -24965,7 +23982,7 @@
 </p:sld>
 </file>
 
-<file path=ppt/slides/slide19.xml><?xml version="1.0" encoding="utf-8"?>
+<file path=ppt/slides/slide18.xml><?xml version="1.0" encoding="utf-8"?>
 <p:sld xmlns:a="http://schemas.openxmlformats.org/drawingml/2006/main" xmlns:r="http://schemas.openxmlformats.org/officeDocument/2006/relationships" xmlns:p="http://schemas.openxmlformats.org/presentationml/2006/main" show="0">
   <p:cSld>
     <p:spTree>
@@ -25767,6 +24784,86 @@
 </p:sld>
 </file>
 
+<file path=ppt/slides/slide19.xml><?xml version="1.0" encoding="utf-8"?>
+<p:sld xmlns:a="http://schemas.openxmlformats.org/drawingml/2006/main" xmlns:r="http://schemas.openxmlformats.org/officeDocument/2006/relationships" xmlns:p="http://schemas.openxmlformats.org/presentationml/2006/main">
+  <p:cSld>
+    <p:spTree>
+      <p:nvGrpSpPr>
+        <p:cNvPr id="1" name=""/>
+        <p:cNvGrpSpPr/>
+        <p:nvPr/>
+      </p:nvGrpSpPr>
+      <p:grpSpPr>
+        <a:xfrm>
+          <a:off x="0" y="0"/>
+          <a:ext cx="0" cy="0"/>
+          <a:chOff x="0" y="0"/>
+          <a:chExt cx="0" cy="0"/>
+        </a:xfrm>
+      </p:grpSpPr>
+      <p:sp>
+        <p:nvSpPr>
+          <p:cNvPr id="2" name="제목 1">
+            <a:extLst>
+              <a:ext uri="{FF2B5EF4-FFF2-40B4-BE49-F238E27FC236}">
+                <a16:creationId xmlns:a16="http://schemas.microsoft.com/office/drawing/2014/main" id="{C393DCAA-8F28-F9B2-444C-D3089EC7EB8E}"/>
+              </a:ext>
+            </a:extLst>
+          </p:cNvPr>
+          <p:cNvSpPr>
+            <a:spLocks noGrp="1"/>
+          </p:cNvSpPr>
+          <p:nvPr>
+            <p:ph type="title"/>
+          </p:nvPr>
+        </p:nvSpPr>
+        <p:spPr/>
+        <p:txBody>
+          <a:bodyPr/>
+          <a:lstStyle/>
+          <a:p>
+            <a:endParaRPr lang="ko-KR" altLang="en-US"/>
+          </a:p>
+        </p:txBody>
+      </p:sp>
+      <p:sp>
+        <p:nvSpPr>
+          <p:cNvPr id="3" name="내용 개체 틀 2">
+            <a:extLst>
+              <a:ext uri="{FF2B5EF4-FFF2-40B4-BE49-F238E27FC236}">
+                <a16:creationId xmlns:a16="http://schemas.microsoft.com/office/drawing/2014/main" id="{7FC305B6-7FE1-15C2-A2D1-39038E71F458}"/>
+              </a:ext>
+            </a:extLst>
+          </p:cNvPr>
+          <p:cNvSpPr>
+            <a:spLocks noGrp="1"/>
+          </p:cNvSpPr>
+          <p:nvPr>
+            <p:ph idx="1"/>
+          </p:nvPr>
+        </p:nvSpPr>
+        <p:spPr/>
+        <p:txBody>
+          <a:bodyPr/>
+          <a:lstStyle/>
+          <a:p>
+            <a:endParaRPr lang="ko-KR" altLang="en-US"/>
+          </a:p>
+        </p:txBody>
+      </p:sp>
+    </p:spTree>
+    <p:extLst>
+      <p:ext uri="{BB962C8B-B14F-4D97-AF65-F5344CB8AC3E}">
+        <p14:creationId xmlns:p14="http://schemas.microsoft.com/office/powerpoint/2010/main" val="2143336191"/>
+      </p:ext>
+    </p:extLst>
+  </p:cSld>
+  <p:clrMapOvr>
+    <a:masterClrMapping/>
+  </p:clrMapOvr>
+</p:sld>
+</file>
+
 <file path=ppt/slides/slide2.xml><?xml version="1.0" encoding="utf-8"?>
 <p:sld xmlns:a="http://schemas.openxmlformats.org/drawingml/2006/main" xmlns:r="http://schemas.openxmlformats.org/officeDocument/2006/relationships" xmlns:p="http://schemas.openxmlformats.org/presentationml/2006/main">
   <p:cSld>
@@ -29583,86 +28680,6 @@
           <p:cNvPr id="2" name="제목 1">
             <a:extLst>
               <a:ext uri="{FF2B5EF4-FFF2-40B4-BE49-F238E27FC236}">
-                <a16:creationId xmlns:a16="http://schemas.microsoft.com/office/drawing/2014/main" id="{C393DCAA-8F28-F9B2-444C-D3089EC7EB8E}"/>
-              </a:ext>
-            </a:extLst>
-          </p:cNvPr>
-          <p:cNvSpPr>
-            <a:spLocks noGrp="1"/>
-          </p:cNvSpPr>
-          <p:nvPr>
-            <p:ph type="title"/>
-          </p:nvPr>
-        </p:nvSpPr>
-        <p:spPr/>
-        <p:txBody>
-          <a:bodyPr/>
-          <a:lstStyle/>
-          <a:p>
-            <a:endParaRPr lang="ko-KR" altLang="en-US"/>
-          </a:p>
-        </p:txBody>
-      </p:sp>
-      <p:sp>
-        <p:nvSpPr>
-          <p:cNvPr id="3" name="내용 개체 틀 2">
-            <a:extLst>
-              <a:ext uri="{FF2B5EF4-FFF2-40B4-BE49-F238E27FC236}">
-                <a16:creationId xmlns:a16="http://schemas.microsoft.com/office/drawing/2014/main" id="{7FC305B6-7FE1-15C2-A2D1-39038E71F458}"/>
-              </a:ext>
-            </a:extLst>
-          </p:cNvPr>
-          <p:cNvSpPr>
-            <a:spLocks noGrp="1"/>
-          </p:cNvSpPr>
-          <p:nvPr>
-            <p:ph idx="1"/>
-          </p:nvPr>
-        </p:nvSpPr>
-        <p:spPr/>
-        <p:txBody>
-          <a:bodyPr/>
-          <a:lstStyle/>
-          <a:p>
-            <a:endParaRPr lang="ko-KR" altLang="en-US"/>
-          </a:p>
-        </p:txBody>
-      </p:sp>
-    </p:spTree>
-    <p:extLst>
-      <p:ext uri="{BB962C8B-B14F-4D97-AF65-F5344CB8AC3E}">
-        <p14:creationId xmlns:p14="http://schemas.microsoft.com/office/powerpoint/2010/main" val="2143336191"/>
-      </p:ext>
-    </p:extLst>
-  </p:cSld>
-  <p:clrMapOvr>
-    <a:masterClrMapping/>
-  </p:clrMapOvr>
-</p:sld>
-</file>
-
-<file path=ppt/slides/slide21.xml><?xml version="1.0" encoding="utf-8"?>
-<p:sld xmlns:a="http://schemas.openxmlformats.org/drawingml/2006/main" xmlns:r="http://schemas.openxmlformats.org/officeDocument/2006/relationships" xmlns:p="http://schemas.openxmlformats.org/presentationml/2006/main">
-  <p:cSld>
-    <p:spTree>
-      <p:nvGrpSpPr>
-        <p:cNvPr id="1" name=""/>
-        <p:cNvGrpSpPr/>
-        <p:nvPr/>
-      </p:nvGrpSpPr>
-      <p:grpSpPr>
-        <a:xfrm>
-          <a:off x="0" y="0"/>
-          <a:ext cx="0" cy="0"/>
-          <a:chOff x="0" y="0"/>
-          <a:chExt cx="0" cy="0"/>
-        </a:xfrm>
-      </p:grpSpPr>
-      <p:sp>
-        <p:nvSpPr>
-          <p:cNvPr id="2" name="제목 1">
-            <a:extLst>
-              <a:ext uri="{FF2B5EF4-FFF2-40B4-BE49-F238E27FC236}">
                 <a16:creationId xmlns:a16="http://schemas.microsoft.com/office/drawing/2014/main" id="{A08CB039-CB13-BA7E-843C-CD496488799A}"/>
               </a:ext>
             </a:extLst>
@@ -29721,7 +28738,7 @@
 </p:sld>
 </file>
 
-<file path=ppt/slides/slide22.xml><?xml version="1.0" encoding="utf-8"?>
+<file path=ppt/slides/slide21.xml><?xml version="1.0" encoding="utf-8"?>
 <p:sld xmlns:a="http://schemas.openxmlformats.org/drawingml/2006/main" xmlns:r="http://schemas.openxmlformats.org/officeDocument/2006/relationships" xmlns:p="http://schemas.openxmlformats.org/presentationml/2006/main">
   <p:cSld>
     <p:spTree>
@@ -38876,2015 +37893,6 @@
 <file path=ppt/slides/slide8.xml><?xml version="1.0" encoding="utf-8"?>
 <p:sld xmlns:a="http://schemas.openxmlformats.org/drawingml/2006/main" xmlns:r="http://schemas.openxmlformats.org/officeDocument/2006/relationships" xmlns:p="http://schemas.openxmlformats.org/presentationml/2006/main">
   <p:cSld>
-    <p:bg>
-      <p:bgPr>
-        <a:solidFill>
-          <a:schemeClr val="bg1"/>
-        </a:solidFill>
-        <a:effectLst/>
-      </p:bgPr>
-    </p:bg>
-    <p:spTree>
-      <p:nvGrpSpPr>
-        <p:cNvPr id="1" name=""/>
-        <p:cNvGrpSpPr/>
-        <p:nvPr/>
-      </p:nvGrpSpPr>
-      <p:grpSpPr>
-        <a:xfrm>
-          <a:off x="0" y="0"/>
-          <a:ext cx="0" cy="0"/>
-          <a:chOff x="0" y="0"/>
-          <a:chExt cx="0" cy="0"/>
-        </a:xfrm>
-      </p:grpSpPr>
-      <p:sp useBgFill="1">
-        <p:nvSpPr>
-          <p:cNvPr id="14" name="Rectangle 13">
-            <a:extLst>
-              <a:ext uri="{FF2B5EF4-FFF2-40B4-BE49-F238E27FC236}">
-                <a16:creationId xmlns:a16="http://schemas.microsoft.com/office/drawing/2014/main" id="{1C582B07-D0F0-4B6B-A5D9-D2F192CB3A4E}"/>
-              </a:ext>
-              <a:ext uri="{C183D7F6-B498-43B3-948B-1728B52AA6E4}">
-                <adec:decorative xmlns:adec="http://schemas.microsoft.com/office/drawing/2017/decorative" val="1"/>
-              </a:ext>
-            </a:extLst>
-          </p:cNvPr>
-          <p:cNvSpPr>
-            <a:spLocks noGrp="1" noRot="1" noChangeAspect="1" noMove="1" noResize="1" noEditPoints="1" noAdjustHandles="1" noChangeArrowheads="1" noChangeShapeType="1" noTextEdit="1"/>
-          </p:cNvSpPr>
-          <p:nvPr>
-            <p:extLst>
-              <p:ext uri="{386F3935-93C4-4BCD-93E2-E3B085C9AB24}">
-                <p16:designElem xmlns:p16="http://schemas.microsoft.com/office/powerpoint/2015/main" val="1"/>
-              </p:ext>
-            </p:extLst>
-          </p:nvPr>
-        </p:nvSpPr>
-        <p:spPr>
-          <a:xfrm>
-            <a:off x="0" y="0"/>
-            <a:ext cx="12188952" cy="6858000"/>
-          </a:xfrm>
-          <a:prstGeom prst="rect">
-            <a:avLst/>
-          </a:prstGeom>
-          <a:ln>
-            <a:noFill/>
-          </a:ln>
-        </p:spPr>
-        <p:style>
-          <a:lnRef idx="2">
-            <a:schemeClr val="accent1">
-              <a:shade val="50000"/>
-            </a:schemeClr>
-          </a:lnRef>
-          <a:fillRef idx="1">
-            <a:schemeClr val="accent1"/>
-          </a:fillRef>
-          <a:effectRef idx="0">
-            <a:schemeClr val="accent1"/>
-          </a:effectRef>
-          <a:fontRef idx="minor">
-            <a:schemeClr val="lt1"/>
-          </a:fontRef>
-        </p:style>
-        <p:txBody>
-          <a:bodyPr rtlCol="0" anchor="ctr"/>
-          <a:lstStyle/>
-          <a:p>
-            <a:pPr algn="ctr"/>
-            <a:endParaRPr lang="en-US">
-              <a:solidFill>
-                <a:schemeClr val="bg1"/>
-              </a:solidFill>
-            </a:endParaRPr>
-          </a:p>
-        </p:txBody>
-      </p:sp>
-      <p:grpSp>
-        <p:nvGrpSpPr>
-          <p:cNvPr id="16" name="Group 15">
-            <a:extLst>
-              <a:ext uri="{FF2B5EF4-FFF2-40B4-BE49-F238E27FC236}">
-                <a16:creationId xmlns:a16="http://schemas.microsoft.com/office/drawing/2014/main" id="{5591A4A5-C00F-4B45-9735-FD2841BF348B}"/>
-              </a:ext>
-              <a:ext uri="{C183D7F6-B498-43B3-948B-1728B52AA6E4}">
-                <adec:decorative xmlns:adec="http://schemas.microsoft.com/office/drawing/2017/decorative" val="1"/>
-              </a:ext>
-            </a:extLst>
-          </p:cNvPr>
-          <p:cNvGrpSpPr>
-            <a:grpSpLocks noGrp="1" noUngrp="1" noRot="1" noChangeAspect="1" noMove="1" noResize="1"/>
-          </p:cNvGrpSpPr>
-          <p:nvPr>
-            <p:extLst>
-              <p:ext uri="{386F3935-93C4-4BCD-93E2-E3B085C9AB24}">
-                <p16:designElem xmlns:p16="http://schemas.microsoft.com/office/powerpoint/2015/main" val="1"/>
-              </p:ext>
-            </p:extLst>
-          </p:nvPr>
-        </p:nvGrpSpPr>
-        <p:grpSpPr>
-          <a:xfrm>
-            <a:off x="-6214" y="-1"/>
-            <a:ext cx="12214827" cy="6858000"/>
-            <a:chOff x="-6214" y="-1"/>
-            <a:chExt cx="12214827" cy="6858000"/>
-          </a:xfrm>
-        </p:grpSpPr>
-        <p:cxnSp>
-          <p:nvCxnSpPr>
-            <p:cNvPr id="17" name="Straight Connector 16">
-              <a:extLst>
-                <a:ext uri="{FF2B5EF4-FFF2-40B4-BE49-F238E27FC236}">
-                  <a16:creationId xmlns:a16="http://schemas.microsoft.com/office/drawing/2014/main" id="{7A16FDB6-C8B8-4BB9-B5F6-C9E7D1549AD5}"/>
-                </a:ext>
-                <a:ext uri="{C183D7F6-B498-43B3-948B-1728B52AA6E4}">
-                  <adec:decorative xmlns:adec="http://schemas.microsoft.com/office/drawing/2017/decorative" val="1"/>
-                </a:ext>
-              </a:extLst>
-            </p:cNvPr>
-            <p:cNvCxnSpPr>
-              <a:cxnSpLocks/>
-            </p:cNvCxnSpPr>
-            <p:nvPr>
-              <p:extLst>
-                <p:ext uri="{386F3935-93C4-4BCD-93E2-E3B085C9AB24}">
-                  <p16:designElem xmlns:p16="http://schemas.microsoft.com/office/powerpoint/2015/main" val="1"/>
-                </p:ext>
-              </p:extLst>
-            </p:nvPr>
-          </p:nvCxnSpPr>
-          <p:spPr>
-            <a:xfrm>
-              <a:off x="-6214" y="6686283"/>
-              <a:ext cx="12192000" cy="0"/>
-            </a:xfrm>
-            <a:prstGeom prst="line">
-              <a:avLst/>
-            </a:prstGeom>
-            <a:ln w="12700">
-              <a:solidFill>
-                <a:srgbClr val="BCBCBC">
-                  <a:alpha val="29804"/>
-                </a:srgbClr>
-              </a:solidFill>
-              <a:prstDash val="sysDot"/>
-            </a:ln>
-          </p:spPr>
-          <p:style>
-            <a:lnRef idx="1">
-              <a:schemeClr val="accent1"/>
-            </a:lnRef>
-            <a:fillRef idx="0">
-              <a:schemeClr val="accent1"/>
-            </a:fillRef>
-            <a:effectRef idx="0">
-              <a:schemeClr val="accent1"/>
-            </a:effectRef>
-            <a:fontRef idx="minor">
-              <a:schemeClr val="tx1"/>
-            </a:fontRef>
-          </p:style>
-        </p:cxnSp>
-        <p:cxnSp>
-          <p:nvCxnSpPr>
-            <p:cNvPr id="18" name="Straight Connector 17">
-              <a:extLst>
-                <a:ext uri="{FF2B5EF4-FFF2-40B4-BE49-F238E27FC236}">
-                  <a16:creationId xmlns:a16="http://schemas.microsoft.com/office/drawing/2014/main" id="{D65D67BC-2831-45D1-804D-2B848B7FF616}"/>
-                </a:ext>
-                <a:ext uri="{C183D7F6-B498-43B3-948B-1728B52AA6E4}">
-                  <adec:decorative xmlns:adec="http://schemas.microsoft.com/office/drawing/2017/decorative" val="1"/>
-                </a:ext>
-              </a:extLst>
-            </p:cNvPr>
-            <p:cNvCxnSpPr>
-              <a:cxnSpLocks/>
-            </p:cNvCxnSpPr>
-            <p:nvPr>
-              <p:extLst>
-                <p:ext uri="{386F3935-93C4-4BCD-93E2-E3B085C9AB24}">
-                  <p16:designElem xmlns:p16="http://schemas.microsoft.com/office/powerpoint/2015/main" val="1"/>
-                </p:ext>
-              </p:extLst>
-            </p:nvPr>
-          </p:nvCxnSpPr>
-          <p:spPr>
-            <a:xfrm>
-              <a:off x="0" y="-1"/>
-              <a:ext cx="0" cy="6858000"/>
-            </a:xfrm>
-            <a:prstGeom prst="line">
-              <a:avLst/>
-            </a:prstGeom>
-            <a:ln w="12700">
-              <a:solidFill>
-                <a:srgbClr val="BCBCBC">
-                  <a:alpha val="29804"/>
-                </a:srgbClr>
-              </a:solidFill>
-              <a:prstDash val="sysDot"/>
-            </a:ln>
-          </p:spPr>
-          <p:style>
-            <a:lnRef idx="1">
-              <a:schemeClr val="accent1"/>
-            </a:lnRef>
-            <a:fillRef idx="0">
-              <a:schemeClr val="accent1"/>
-            </a:fillRef>
-            <a:effectRef idx="0">
-              <a:schemeClr val="accent1"/>
-            </a:effectRef>
-            <a:fontRef idx="minor">
-              <a:schemeClr val="tx1"/>
-            </a:fontRef>
-          </p:style>
-        </p:cxnSp>
-        <p:cxnSp>
-          <p:nvCxnSpPr>
-            <p:cNvPr id="19" name="Straight Connector 18">
-              <a:extLst>
-                <a:ext uri="{FF2B5EF4-FFF2-40B4-BE49-F238E27FC236}">
-                  <a16:creationId xmlns:a16="http://schemas.microsoft.com/office/drawing/2014/main" id="{B3254059-39EC-48CC-B948-9EE6B0551757}"/>
-                </a:ext>
-                <a:ext uri="{C183D7F6-B498-43B3-948B-1728B52AA6E4}">
-                  <adec:decorative xmlns:adec="http://schemas.microsoft.com/office/drawing/2017/decorative" val="1"/>
-                </a:ext>
-              </a:extLst>
-            </p:cNvPr>
-            <p:cNvCxnSpPr>
-              <a:cxnSpLocks/>
-            </p:cNvCxnSpPr>
-            <p:nvPr>
-              <p:extLst>
-                <p:ext uri="{386F3935-93C4-4BCD-93E2-E3B085C9AB24}">
-                  <p16:designElem xmlns:p16="http://schemas.microsoft.com/office/powerpoint/2015/main" val="1"/>
-                </p:ext>
-              </p:extLst>
-            </p:nvPr>
-          </p:nvCxnSpPr>
-          <p:spPr>
-            <a:xfrm>
-              <a:off x="11993258" y="-1"/>
-              <a:ext cx="0" cy="6858000"/>
-            </a:xfrm>
-            <a:prstGeom prst="line">
-              <a:avLst/>
-            </a:prstGeom>
-            <a:ln w="12700">
-              <a:solidFill>
-                <a:srgbClr val="BCBCBC">
-                  <a:alpha val="29804"/>
-                </a:srgbClr>
-              </a:solidFill>
-              <a:prstDash val="sysDot"/>
-            </a:ln>
-          </p:spPr>
-          <p:style>
-            <a:lnRef idx="1">
-              <a:schemeClr val="accent1"/>
-            </a:lnRef>
-            <a:fillRef idx="0">
-              <a:schemeClr val="accent1"/>
-            </a:fillRef>
-            <a:effectRef idx="0">
-              <a:schemeClr val="accent1"/>
-            </a:effectRef>
-            <a:fontRef idx="minor">
-              <a:schemeClr val="tx1"/>
-            </a:fontRef>
-          </p:style>
-        </p:cxnSp>
-        <p:cxnSp>
-          <p:nvCxnSpPr>
-            <p:cNvPr id="20" name="Straight Connector 19">
-              <a:extLst>
-                <a:ext uri="{FF2B5EF4-FFF2-40B4-BE49-F238E27FC236}">
-                  <a16:creationId xmlns:a16="http://schemas.microsoft.com/office/drawing/2014/main" id="{AF3E0572-7D5E-4FAA-B67C-23A9C6D71552}"/>
-                </a:ext>
-                <a:ext uri="{C183D7F6-B498-43B3-948B-1728B52AA6E4}">
-                  <adec:decorative xmlns:adec="http://schemas.microsoft.com/office/drawing/2017/decorative" val="1"/>
-                </a:ext>
-              </a:extLst>
-            </p:cNvPr>
-            <p:cNvCxnSpPr>
-              <a:cxnSpLocks/>
-            </p:cNvCxnSpPr>
-            <p:nvPr>
-              <p:extLst>
-                <p:ext uri="{386F3935-93C4-4BCD-93E2-E3B085C9AB24}">
-                  <p16:designElem xmlns:p16="http://schemas.microsoft.com/office/powerpoint/2015/main" val="1"/>
-                </p:ext>
-              </p:extLst>
-            </p:nvPr>
-          </p:nvCxnSpPr>
-          <p:spPr>
-            <a:xfrm>
-              <a:off x="192528" y="-1"/>
-              <a:ext cx="0" cy="6858000"/>
-            </a:xfrm>
-            <a:prstGeom prst="line">
-              <a:avLst/>
-            </a:prstGeom>
-            <a:ln w="12700">
-              <a:solidFill>
-                <a:srgbClr val="BCBCBC">
-                  <a:alpha val="29804"/>
-                </a:srgbClr>
-              </a:solidFill>
-              <a:prstDash val="sysDot"/>
-            </a:ln>
-          </p:spPr>
-          <p:style>
-            <a:lnRef idx="1">
-              <a:schemeClr val="accent1"/>
-            </a:lnRef>
-            <a:fillRef idx="0">
-              <a:schemeClr val="accent1"/>
-            </a:fillRef>
-            <a:effectRef idx="0">
-              <a:schemeClr val="accent1"/>
-            </a:effectRef>
-            <a:fontRef idx="minor">
-              <a:schemeClr val="tx1"/>
-            </a:fontRef>
-          </p:style>
-        </p:cxnSp>
-        <p:cxnSp>
-          <p:nvCxnSpPr>
-            <p:cNvPr id="21" name="Straight Connector 20">
-              <a:extLst>
-                <a:ext uri="{FF2B5EF4-FFF2-40B4-BE49-F238E27FC236}">
-                  <a16:creationId xmlns:a16="http://schemas.microsoft.com/office/drawing/2014/main" id="{2C5F1231-CF22-4258-B764-592B6CB8DC08}"/>
-                </a:ext>
-                <a:ext uri="{C183D7F6-B498-43B3-948B-1728B52AA6E4}">
-                  <adec:decorative xmlns:adec="http://schemas.microsoft.com/office/drawing/2017/decorative" val="1"/>
-                </a:ext>
-              </a:extLst>
-            </p:cNvPr>
-            <p:cNvCxnSpPr>
-              <a:cxnSpLocks/>
-            </p:cNvCxnSpPr>
-            <p:nvPr>
-              <p:extLst>
-                <p:ext uri="{386F3935-93C4-4BCD-93E2-E3B085C9AB24}">
-                  <p16:designElem xmlns:p16="http://schemas.microsoft.com/office/powerpoint/2015/main" val="1"/>
-                </p:ext>
-              </p:extLst>
-            </p:nvPr>
-          </p:nvCxnSpPr>
-          <p:spPr>
-            <a:xfrm>
-              <a:off x="1175922" y="-1"/>
-              <a:ext cx="0" cy="6858000"/>
-            </a:xfrm>
-            <a:prstGeom prst="line">
-              <a:avLst/>
-            </a:prstGeom>
-            <a:ln w="12700">
-              <a:solidFill>
-                <a:srgbClr val="BCBCBC">
-                  <a:alpha val="29804"/>
-                </a:srgbClr>
-              </a:solidFill>
-              <a:prstDash val="sysDot"/>
-            </a:ln>
-          </p:spPr>
-          <p:style>
-            <a:lnRef idx="1">
-              <a:schemeClr val="accent1"/>
-            </a:lnRef>
-            <a:fillRef idx="0">
-              <a:schemeClr val="accent1"/>
-            </a:fillRef>
-            <a:effectRef idx="0">
-              <a:schemeClr val="accent1"/>
-            </a:effectRef>
-            <a:fontRef idx="minor">
-              <a:schemeClr val="tx1"/>
-            </a:fontRef>
-          </p:style>
-        </p:cxnSp>
-        <p:cxnSp>
-          <p:nvCxnSpPr>
-            <p:cNvPr id="22" name="Straight Connector 21">
-              <a:extLst>
-                <a:ext uri="{FF2B5EF4-FFF2-40B4-BE49-F238E27FC236}">
-                  <a16:creationId xmlns:a16="http://schemas.microsoft.com/office/drawing/2014/main" id="{1B2C5387-42A2-4464-BF18-E70B0227B921}"/>
-                </a:ext>
-                <a:ext uri="{C183D7F6-B498-43B3-948B-1728B52AA6E4}">
-                  <adec:decorative xmlns:adec="http://schemas.microsoft.com/office/drawing/2017/decorative" val="1"/>
-                </a:ext>
-              </a:extLst>
-            </p:cNvPr>
-            <p:cNvCxnSpPr>
-              <a:cxnSpLocks/>
-            </p:cNvCxnSpPr>
-            <p:nvPr>
-              <p:extLst>
-                <p:ext uri="{386F3935-93C4-4BCD-93E2-E3B085C9AB24}">
-                  <p16:designElem xmlns:p16="http://schemas.microsoft.com/office/powerpoint/2015/main" val="1"/>
-                </p:ext>
-              </p:extLst>
-            </p:nvPr>
-          </p:nvCxnSpPr>
-          <p:spPr>
-            <a:xfrm>
-              <a:off x="2159316" y="-1"/>
-              <a:ext cx="0" cy="6858000"/>
-            </a:xfrm>
-            <a:prstGeom prst="line">
-              <a:avLst/>
-            </a:prstGeom>
-            <a:ln w="12700">
-              <a:solidFill>
-                <a:srgbClr val="BCBCBC">
-                  <a:alpha val="29804"/>
-                </a:srgbClr>
-              </a:solidFill>
-              <a:prstDash val="sysDot"/>
-            </a:ln>
-          </p:spPr>
-          <p:style>
-            <a:lnRef idx="1">
-              <a:schemeClr val="accent1"/>
-            </a:lnRef>
-            <a:fillRef idx="0">
-              <a:schemeClr val="accent1"/>
-            </a:fillRef>
-            <a:effectRef idx="0">
-              <a:schemeClr val="accent1"/>
-            </a:effectRef>
-            <a:fontRef idx="minor">
-              <a:schemeClr val="tx1"/>
-            </a:fontRef>
-          </p:style>
-        </p:cxnSp>
-        <p:cxnSp>
-          <p:nvCxnSpPr>
-            <p:cNvPr id="23" name="Straight Connector 22">
-              <a:extLst>
-                <a:ext uri="{FF2B5EF4-FFF2-40B4-BE49-F238E27FC236}">
-                  <a16:creationId xmlns:a16="http://schemas.microsoft.com/office/drawing/2014/main" id="{2926F39D-AFC8-4FF6-9211-84AA77717625}"/>
-                </a:ext>
-                <a:ext uri="{C183D7F6-B498-43B3-948B-1728B52AA6E4}">
-                  <adec:decorative xmlns:adec="http://schemas.microsoft.com/office/drawing/2017/decorative" val="1"/>
-                </a:ext>
-              </a:extLst>
-            </p:cNvPr>
-            <p:cNvCxnSpPr>
-              <a:cxnSpLocks/>
-            </p:cNvCxnSpPr>
-            <p:nvPr>
-              <p:extLst>
-                <p:ext uri="{386F3935-93C4-4BCD-93E2-E3B085C9AB24}">
-                  <p16:designElem xmlns:p16="http://schemas.microsoft.com/office/powerpoint/2015/main" val="1"/>
-                </p:ext>
-              </p:extLst>
-            </p:nvPr>
-          </p:nvCxnSpPr>
-          <p:spPr>
-            <a:xfrm>
-              <a:off x="3142710" y="-1"/>
-              <a:ext cx="0" cy="6858000"/>
-            </a:xfrm>
-            <a:prstGeom prst="line">
-              <a:avLst/>
-            </a:prstGeom>
-            <a:ln w="12700">
-              <a:solidFill>
-                <a:srgbClr val="BCBCBC">
-                  <a:alpha val="29804"/>
-                </a:srgbClr>
-              </a:solidFill>
-              <a:prstDash val="sysDot"/>
-            </a:ln>
-          </p:spPr>
-          <p:style>
-            <a:lnRef idx="1">
-              <a:schemeClr val="accent1"/>
-            </a:lnRef>
-            <a:fillRef idx="0">
-              <a:schemeClr val="accent1"/>
-            </a:fillRef>
-            <a:effectRef idx="0">
-              <a:schemeClr val="accent1"/>
-            </a:effectRef>
-            <a:fontRef idx="minor">
-              <a:schemeClr val="tx1"/>
-            </a:fontRef>
-          </p:style>
-        </p:cxnSp>
-        <p:cxnSp>
-          <p:nvCxnSpPr>
-            <p:cNvPr id="24" name="Straight Connector 23">
-              <a:extLst>
-                <a:ext uri="{FF2B5EF4-FFF2-40B4-BE49-F238E27FC236}">
-                  <a16:creationId xmlns:a16="http://schemas.microsoft.com/office/drawing/2014/main" id="{0D812696-9AF7-4D2B-A041-80C015F33AAB}"/>
-                </a:ext>
-                <a:ext uri="{C183D7F6-B498-43B3-948B-1728B52AA6E4}">
-                  <adec:decorative xmlns:adec="http://schemas.microsoft.com/office/drawing/2017/decorative" val="1"/>
-                </a:ext>
-              </a:extLst>
-            </p:cNvPr>
-            <p:cNvCxnSpPr>
-              <a:cxnSpLocks/>
-            </p:cNvCxnSpPr>
-            <p:nvPr>
-              <p:extLst>
-                <p:ext uri="{386F3935-93C4-4BCD-93E2-E3B085C9AB24}">
-                  <p16:designElem xmlns:p16="http://schemas.microsoft.com/office/powerpoint/2015/main" val="1"/>
-                </p:ext>
-              </p:extLst>
-            </p:nvPr>
-          </p:nvCxnSpPr>
-          <p:spPr>
-            <a:xfrm>
-              <a:off x="4126104" y="-1"/>
-              <a:ext cx="0" cy="6858000"/>
-            </a:xfrm>
-            <a:prstGeom prst="line">
-              <a:avLst/>
-            </a:prstGeom>
-            <a:ln w="12700">
-              <a:solidFill>
-                <a:srgbClr val="BCBCBC">
-                  <a:alpha val="29804"/>
-                </a:srgbClr>
-              </a:solidFill>
-              <a:prstDash val="sysDot"/>
-            </a:ln>
-          </p:spPr>
-          <p:style>
-            <a:lnRef idx="1">
-              <a:schemeClr val="accent1"/>
-            </a:lnRef>
-            <a:fillRef idx="0">
-              <a:schemeClr val="accent1"/>
-            </a:fillRef>
-            <a:effectRef idx="0">
-              <a:schemeClr val="accent1"/>
-            </a:effectRef>
-            <a:fontRef idx="minor">
-              <a:schemeClr val="tx1"/>
-            </a:fontRef>
-          </p:style>
-        </p:cxnSp>
-        <p:cxnSp>
-          <p:nvCxnSpPr>
-            <p:cNvPr id="25" name="Straight Connector 24">
-              <a:extLst>
-                <a:ext uri="{FF2B5EF4-FFF2-40B4-BE49-F238E27FC236}">
-                  <a16:creationId xmlns:a16="http://schemas.microsoft.com/office/drawing/2014/main" id="{CE6CB557-1E5B-4D2D-9330-8EB4AF7307C4}"/>
-                </a:ext>
-                <a:ext uri="{C183D7F6-B498-43B3-948B-1728B52AA6E4}">
-                  <adec:decorative xmlns:adec="http://schemas.microsoft.com/office/drawing/2017/decorative" val="1"/>
-                </a:ext>
-              </a:extLst>
-            </p:cNvPr>
-            <p:cNvCxnSpPr>
-              <a:cxnSpLocks/>
-            </p:cNvCxnSpPr>
-            <p:nvPr>
-              <p:extLst>
-                <p:ext uri="{386F3935-93C4-4BCD-93E2-E3B085C9AB24}">
-                  <p16:designElem xmlns:p16="http://schemas.microsoft.com/office/powerpoint/2015/main" val="1"/>
-                </p:ext>
-              </p:extLst>
-            </p:nvPr>
-          </p:nvCxnSpPr>
-          <p:spPr>
-            <a:xfrm>
-              <a:off x="5109498" y="-1"/>
-              <a:ext cx="0" cy="6858000"/>
-            </a:xfrm>
-            <a:prstGeom prst="line">
-              <a:avLst/>
-            </a:prstGeom>
-            <a:ln w="12700">
-              <a:solidFill>
-                <a:srgbClr val="BCBCBC">
-                  <a:alpha val="29804"/>
-                </a:srgbClr>
-              </a:solidFill>
-              <a:prstDash val="sysDot"/>
-            </a:ln>
-          </p:spPr>
-          <p:style>
-            <a:lnRef idx="1">
-              <a:schemeClr val="accent1"/>
-            </a:lnRef>
-            <a:fillRef idx="0">
-              <a:schemeClr val="accent1"/>
-            </a:fillRef>
-            <a:effectRef idx="0">
-              <a:schemeClr val="accent1"/>
-            </a:effectRef>
-            <a:fontRef idx="minor">
-              <a:schemeClr val="tx1"/>
-            </a:fontRef>
-          </p:style>
-        </p:cxnSp>
-        <p:cxnSp>
-          <p:nvCxnSpPr>
-            <p:cNvPr id="26" name="Straight Connector 25">
-              <a:extLst>
-                <a:ext uri="{FF2B5EF4-FFF2-40B4-BE49-F238E27FC236}">
-                  <a16:creationId xmlns:a16="http://schemas.microsoft.com/office/drawing/2014/main" id="{A03A4B30-3A15-4294-9BED-E7317857F060}"/>
-                </a:ext>
-                <a:ext uri="{C183D7F6-B498-43B3-948B-1728B52AA6E4}">
-                  <adec:decorative xmlns:adec="http://schemas.microsoft.com/office/drawing/2017/decorative" val="1"/>
-                </a:ext>
-              </a:extLst>
-            </p:cNvPr>
-            <p:cNvCxnSpPr>
-              <a:cxnSpLocks/>
-            </p:cNvCxnSpPr>
-            <p:nvPr>
-              <p:extLst>
-                <p:ext uri="{386F3935-93C4-4BCD-93E2-E3B085C9AB24}">
-                  <p16:designElem xmlns:p16="http://schemas.microsoft.com/office/powerpoint/2015/main" val="1"/>
-                </p:ext>
-              </p:extLst>
-            </p:nvPr>
-          </p:nvCxnSpPr>
-          <p:spPr>
-            <a:xfrm>
-              <a:off x="6092892" y="-1"/>
-              <a:ext cx="0" cy="6858000"/>
-            </a:xfrm>
-            <a:prstGeom prst="line">
-              <a:avLst/>
-            </a:prstGeom>
-            <a:ln w="12700">
-              <a:solidFill>
-                <a:srgbClr val="BCBCBC">
-                  <a:alpha val="29804"/>
-                </a:srgbClr>
-              </a:solidFill>
-              <a:prstDash val="sysDot"/>
-            </a:ln>
-          </p:spPr>
-          <p:style>
-            <a:lnRef idx="1">
-              <a:schemeClr val="accent1"/>
-            </a:lnRef>
-            <a:fillRef idx="0">
-              <a:schemeClr val="accent1"/>
-            </a:fillRef>
-            <a:effectRef idx="0">
-              <a:schemeClr val="accent1"/>
-            </a:effectRef>
-            <a:fontRef idx="minor">
-              <a:schemeClr val="tx1"/>
-            </a:fontRef>
-          </p:style>
-        </p:cxnSp>
-        <p:cxnSp>
-          <p:nvCxnSpPr>
-            <p:cNvPr id="27" name="Straight Connector 26">
-              <a:extLst>
-                <a:ext uri="{FF2B5EF4-FFF2-40B4-BE49-F238E27FC236}">
-                  <a16:creationId xmlns:a16="http://schemas.microsoft.com/office/drawing/2014/main" id="{0E7B8343-CDF9-4023-9FBF-F4ADE601B2AC}"/>
-                </a:ext>
-                <a:ext uri="{C183D7F6-B498-43B3-948B-1728B52AA6E4}">
-                  <adec:decorative xmlns:adec="http://schemas.microsoft.com/office/drawing/2017/decorative" val="1"/>
-                </a:ext>
-              </a:extLst>
-            </p:cNvPr>
-            <p:cNvCxnSpPr>
-              <a:cxnSpLocks/>
-            </p:cNvCxnSpPr>
-            <p:nvPr>
-              <p:extLst>
-                <p:ext uri="{386F3935-93C4-4BCD-93E2-E3B085C9AB24}">
-                  <p16:designElem xmlns:p16="http://schemas.microsoft.com/office/powerpoint/2015/main" val="1"/>
-                </p:ext>
-              </p:extLst>
-            </p:nvPr>
-          </p:nvCxnSpPr>
-          <p:spPr>
-            <a:xfrm>
-              <a:off x="7076286" y="-1"/>
-              <a:ext cx="0" cy="6858000"/>
-            </a:xfrm>
-            <a:prstGeom prst="line">
-              <a:avLst/>
-            </a:prstGeom>
-            <a:ln w="12700">
-              <a:solidFill>
-                <a:srgbClr val="BCBCBC">
-                  <a:alpha val="29804"/>
-                </a:srgbClr>
-              </a:solidFill>
-              <a:prstDash val="sysDot"/>
-            </a:ln>
-          </p:spPr>
-          <p:style>
-            <a:lnRef idx="1">
-              <a:schemeClr val="accent1"/>
-            </a:lnRef>
-            <a:fillRef idx="0">
-              <a:schemeClr val="accent1"/>
-            </a:fillRef>
-            <a:effectRef idx="0">
-              <a:schemeClr val="accent1"/>
-            </a:effectRef>
-            <a:fontRef idx="minor">
-              <a:schemeClr val="tx1"/>
-            </a:fontRef>
-          </p:style>
-        </p:cxnSp>
-        <p:cxnSp>
-          <p:nvCxnSpPr>
-            <p:cNvPr id="28" name="Straight Connector 27">
-              <a:extLst>
-                <a:ext uri="{FF2B5EF4-FFF2-40B4-BE49-F238E27FC236}">
-                  <a16:creationId xmlns:a16="http://schemas.microsoft.com/office/drawing/2014/main" id="{9BB30BD5-639D-4F53-BC6C-2A8D0FFFE52A}"/>
-                </a:ext>
-                <a:ext uri="{C183D7F6-B498-43B3-948B-1728B52AA6E4}">
-                  <adec:decorative xmlns:adec="http://schemas.microsoft.com/office/drawing/2017/decorative" val="1"/>
-                </a:ext>
-              </a:extLst>
-            </p:cNvPr>
-            <p:cNvCxnSpPr>
-              <a:cxnSpLocks/>
-            </p:cNvCxnSpPr>
-            <p:nvPr>
-              <p:extLst>
-                <p:ext uri="{386F3935-93C4-4BCD-93E2-E3B085C9AB24}">
-                  <p16:designElem xmlns:p16="http://schemas.microsoft.com/office/powerpoint/2015/main" val="1"/>
-                </p:ext>
-              </p:extLst>
-            </p:nvPr>
-          </p:nvCxnSpPr>
-          <p:spPr>
-            <a:xfrm>
-              <a:off x="8059680" y="-1"/>
-              <a:ext cx="0" cy="6858000"/>
-            </a:xfrm>
-            <a:prstGeom prst="line">
-              <a:avLst/>
-            </a:prstGeom>
-            <a:ln w="12700">
-              <a:solidFill>
-                <a:srgbClr val="BCBCBC">
-                  <a:alpha val="29804"/>
-                </a:srgbClr>
-              </a:solidFill>
-              <a:prstDash val="sysDot"/>
-            </a:ln>
-          </p:spPr>
-          <p:style>
-            <a:lnRef idx="1">
-              <a:schemeClr val="accent1"/>
-            </a:lnRef>
-            <a:fillRef idx="0">
-              <a:schemeClr val="accent1"/>
-            </a:fillRef>
-            <a:effectRef idx="0">
-              <a:schemeClr val="accent1"/>
-            </a:effectRef>
-            <a:fontRef idx="minor">
-              <a:schemeClr val="tx1"/>
-            </a:fontRef>
-          </p:style>
-        </p:cxnSp>
-        <p:cxnSp>
-          <p:nvCxnSpPr>
-            <p:cNvPr id="29" name="Straight Connector 28">
-              <a:extLst>
-                <a:ext uri="{FF2B5EF4-FFF2-40B4-BE49-F238E27FC236}">
-                  <a16:creationId xmlns:a16="http://schemas.microsoft.com/office/drawing/2014/main" id="{8D7E1947-04B8-4F0B-9E3C-FC4E26D618F3}"/>
-                </a:ext>
-                <a:ext uri="{C183D7F6-B498-43B3-948B-1728B52AA6E4}">
-                  <adec:decorative xmlns:adec="http://schemas.microsoft.com/office/drawing/2017/decorative" val="1"/>
-                </a:ext>
-              </a:extLst>
-            </p:cNvPr>
-            <p:cNvCxnSpPr>
-              <a:cxnSpLocks/>
-            </p:cNvCxnSpPr>
-            <p:nvPr>
-              <p:extLst>
-                <p:ext uri="{386F3935-93C4-4BCD-93E2-E3B085C9AB24}">
-                  <p16:designElem xmlns:p16="http://schemas.microsoft.com/office/powerpoint/2015/main" val="1"/>
-                </p:ext>
-              </p:extLst>
-            </p:nvPr>
-          </p:nvCxnSpPr>
-          <p:spPr>
-            <a:xfrm>
-              <a:off x="9043074" y="-1"/>
-              <a:ext cx="0" cy="6858000"/>
-            </a:xfrm>
-            <a:prstGeom prst="line">
-              <a:avLst/>
-            </a:prstGeom>
-            <a:ln w="12700">
-              <a:solidFill>
-                <a:srgbClr val="BCBCBC">
-                  <a:alpha val="29804"/>
-                </a:srgbClr>
-              </a:solidFill>
-              <a:prstDash val="sysDot"/>
-            </a:ln>
-          </p:spPr>
-          <p:style>
-            <a:lnRef idx="1">
-              <a:schemeClr val="accent1"/>
-            </a:lnRef>
-            <a:fillRef idx="0">
-              <a:schemeClr val="accent1"/>
-            </a:fillRef>
-            <a:effectRef idx="0">
-              <a:schemeClr val="accent1"/>
-            </a:effectRef>
-            <a:fontRef idx="minor">
-              <a:schemeClr val="tx1"/>
-            </a:fontRef>
-          </p:style>
-        </p:cxnSp>
-        <p:cxnSp>
-          <p:nvCxnSpPr>
-            <p:cNvPr id="30" name="Straight Connector 29">
-              <a:extLst>
-                <a:ext uri="{FF2B5EF4-FFF2-40B4-BE49-F238E27FC236}">
-                  <a16:creationId xmlns:a16="http://schemas.microsoft.com/office/drawing/2014/main" id="{83EDB6D6-D309-48D4-87F4-AAED7C57C747}"/>
-                </a:ext>
-                <a:ext uri="{C183D7F6-B498-43B3-948B-1728B52AA6E4}">
-                  <adec:decorative xmlns:adec="http://schemas.microsoft.com/office/drawing/2017/decorative" val="1"/>
-                </a:ext>
-              </a:extLst>
-            </p:cNvPr>
-            <p:cNvCxnSpPr>
-              <a:cxnSpLocks/>
-            </p:cNvCxnSpPr>
-            <p:nvPr>
-              <p:extLst>
-                <p:ext uri="{386F3935-93C4-4BCD-93E2-E3B085C9AB24}">
-                  <p16:designElem xmlns:p16="http://schemas.microsoft.com/office/powerpoint/2015/main" val="1"/>
-                </p:ext>
-              </p:extLst>
-            </p:nvPr>
-          </p:nvCxnSpPr>
-          <p:spPr>
-            <a:xfrm>
-              <a:off x="10026468" y="-1"/>
-              <a:ext cx="0" cy="6858000"/>
-            </a:xfrm>
-            <a:prstGeom prst="line">
-              <a:avLst/>
-            </a:prstGeom>
-            <a:ln w="12700">
-              <a:solidFill>
-                <a:srgbClr val="BCBCBC">
-                  <a:alpha val="29804"/>
-                </a:srgbClr>
-              </a:solidFill>
-              <a:prstDash val="sysDot"/>
-            </a:ln>
-          </p:spPr>
-          <p:style>
-            <a:lnRef idx="1">
-              <a:schemeClr val="accent1"/>
-            </a:lnRef>
-            <a:fillRef idx="0">
-              <a:schemeClr val="accent1"/>
-            </a:fillRef>
-            <a:effectRef idx="0">
-              <a:schemeClr val="accent1"/>
-            </a:effectRef>
-            <a:fontRef idx="minor">
-              <a:schemeClr val="tx1"/>
-            </a:fontRef>
-          </p:style>
-        </p:cxnSp>
-        <p:cxnSp>
-          <p:nvCxnSpPr>
-            <p:cNvPr id="31" name="Straight Connector 30">
-              <a:extLst>
-                <a:ext uri="{FF2B5EF4-FFF2-40B4-BE49-F238E27FC236}">
-                  <a16:creationId xmlns:a16="http://schemas.microsoft.com/office/drawing/2014/main" id="{0F2E163F-B043-43B7-85CE-36F2136BAB3D}"/>
-                </a:ext>
-                <a:ext uri="{C183D7F6-B498-43B3-948B-1728B52AA6E4}">
-                  <adec:decorative xmlns:adec="http://schemas.microsoft.com/office/drawing/2017/decorative" val="1"/>
-                </a:ext>
-              </a:extLst>
-            </p:cNvPr>
-            <p:cNvCxnSpPr>
-              <a:cxnSpLocks/>
-            </p:cNvCxnSpPr>
-            <p:nvPr>
-              <p:extLst>
-                <p:ext uri="{386F3935-93C4-4BCD-93E2-E3B085C9AB24}">
-                  <p16:designElem xmlns:p16="http://schemas.microsoft.com/office/powerpoint/2015/main" val="1"/>
-                </p:ext>
-              </p:extLst>
-            </p:nvPr>
-          </p:nvCxnSpPr>
-          <p:spPr>
-            <a:xfrm>
-              <a:off x="11009862" y="-1"/>
-              <a:ext cx="0" cy="6858000"/>
-            </a:xfrm>
-            <a:prstGeom prst="line">
-              <a:avLst/>
-            </a:prstGeom>
-            <a:ln w="12700">
-              <a:solidFill>
-                <a:srgbClr val="BCBCBC">
-                  <a:alpha val="29804"/>
-                </a:srgbClr>
-              </a:solidFill>
-              <a:prstDash val="sysDot"/>
-            </a:ln>
-          </p:spPr>
-          <p:style>
-            <a:lnRef idx="1">
-              <a:schemeClr val="accent1"/>
-            </a:lnRef>
-            <a:fillRef idx="0">
-              <a:schemeClr val="accent1"/>
-            </a:fillRef>
-            <a:effectRef idx="0">
-              <a:schemeClr val="accent1"/>
-            </a:effectRef>
-            <a:fontRef idx="minor">
-              <a:schemeClr val="tx1"/>
-            </a:fontRef>
-          </p:style>
-        </p:cxnSp>
-        <p:cxnSp>
-          <p:nvCxnSpPr>
-            <p:cNvPr id="32" name="Straight Connector 31">
-              <a:extLst>
-                <a:ext uri="{FF2B5EF4-FFF2-40B4-BE49-F238E27FC236}">
-                  <a16:creationId xmlns:a16="http://schemas.microsoft.com/office/drawing/2014/main" id="{1F6CB03C-E3B1-4D22-ABA3-986CC09FB303}"/>
-                </a:ext>
-                <a:ext uri="{C183D7F6-B498-43B3-948B-1728B52AA6E4}">
-                  <adec:decorative xmlns:adec="http://schemas.microsoft.com/office/drawing/2017/decorative" val="1"/>
-                </a:ext>
-              </a:extLst>
-            </p:cNvPr>
-            <p:cNvCxnSpPr>
-              <a:cxnSpLocks/>
-            </p:cNvCxnSpPr>
-            <p:nvPr>
-              <p:extLst>
-                <p:ext uri="{386F3935-93C4-4BCD-93E2-E3B085C9AB24}">
-                  <p16:designElem xmlns:p16="http://schemas.microsoft.com/office/powerpoint/2015/main" val="1"/>
-                </p:ext>
-              </p:extLst>
-            </p:nvPr>
-          </p:nvCxnSpPr>
-          <p:spPr>
-            <a:xfrm>
-              <a:off x="12185786" y="-1"/>
-              <a:ext cx="0" cy="6858000"/>
-            </a:xfrm>
-            <a:prstGeom prst="line">
-              <a:avLst/>
-            </a:prstGeom>
-            <a:ln w="12700">
-              <a:solidFill>
-                <a:srgbClr val="BCBCBC">
-                  <a:alpha val="29804"/>
-                </a:srgbClr>
-              </a:solidFill>
-              <a:prstDash val="sysDot"/>
-            </a:ln>
-          </p:spPr>
-          <p:style>
-            <a:lnRef idx="1">
-              <a:schemeClr val="accent1"/>
-            </a:lnRef>
-            <a:fillRef idx="0">
-              <a:schemeClr val="accent1"/>
-            </a:fillRef>
-            <a:effectRef idx="0">
-              <a:schemeClr val="accent1"/>
-            </a:effectRef>
-            <a:fontRef idx="minor">
-              <a:schemeClr val="tx1"/>
-            </a:fontRef>
-          </p:style>
-        </p:cxnSp>
-        <p:cxnSp>
-          <p:nvCxnSpPr>
-            <p:cNvPr id="33" name="Straight Connector 32">
-              <a:extLst>
-                <a:ext uri="{FF2B5EF4-FFF2-40B4-BE49-F238E27FC236}">
-                  <a16:creationId xmlns:a16="http://schemas.microsoft.com/office/drawing/2014/main" id="{39B41E31-EE5F-423F-8B88-3B56009A3490}"/>
-                </a:ext>
-                <a:ext uri="{C183D7F6-B498-43B3-948B-1728B52AA6E4}">
-                  <adec:decorative xmlns:adec="http://schemas.microsoft.com/office/drawing/2017/decorative" val="1"/>
-                </a:ext>
-              </a:extLst>
-            </p:cNvPr>
-            <p:cNvCxnSpPr>
-              <a:cxnSpLocks/>
-            </p:cNvCxnSpPr>
-            <p:nvPr>
-              <p:extLst>
-                <p:ext uri="{386F3935-93C4-4BCD-93E2-E3B085C9AB24}">
-                  <p16:designElem xmlns:p16="http://schemas.microsoft.com/office/powerpoint/2015/main" val="1"/>
-                </p:ext>
-              </p:extLst>
-            </p:nvPr>
-          </p:nvCxnSpPr>
-          <p:spPr>
-            <a:xfrm>
-              <a:off x="0" y="171716"/>
-              <a:ext cx="12192000" cy="0"/>
-            </a:xfrm>
-            <a:prstGeom prst="line">
-              <a:avLst/>
-            </a:prstGeom>
-            <a:ln w="12700">
-              <a:solidFill>
-                <a:srgbClr val="BCBCBC">
-                  <a:alpha val="29804"/>
-                </a:srgbClr>
-              </a:solidFill>
-              <a:prstDash val="sysDot"/>
-            </a:ln>
-          </p:spPr>
-          <p:style>
-            <a:lnRef idx="1">
-              <a:schemeClr val="accent1"/>
-            </a:lnRef>
-            <a:fillRef idx="0">
-              <a:schemeClr val="accent1"/>
-            </a:fillRef>
-            <a:effectRef idx="0">
-              <a:schemeClr val="accent1"/>
-            </a:effectRef>
-            <a:fontRef idx="minor">
-              <a:schemeClr val="tx1"/>
-            </a:fontRef>
-          </p:style>
-        </p:cxnSp>
-        <p:cxnSp>
-          <p:nvCxnSpPr>
-            <p:cNvPr id="34" name="Straight Connector 33">
-              <a:extLst>
-                <a:ext uri="{FF2B5EF4-FFF2-40B4-BE49-F238E27FC236}">
-                  <a16:creationId xmlns:a16="http://schemas.microsoft.com/office/drawing/2014/main" id="{B59D4FE6-B271-4427-8273-0B80EF13668E}"/>
-                </a:ext>
-                <a:ext uri="{C183D7F6-B498-43B3-948B-1728B52AA6E4}">
-                  <adec:decorative xmlns:adec="http://schemas.microsoft.com/office/drawing/2017/decorative" val="1"/>
-                </a:ext>
-              </a:extLst>
-            </p:cNvPr>
-            <p:cNvCxnSpPr>
-              <a:cxnSpLocks/>
-            </p:cNvCxnSpPr>
-            <p:nvPr>
-              <p:extLst>
-                <p:ext uri="{386F3935-93C4-4BCD-93E2-E3B085C9AB24}">
-                  <p16:designElem xmlns:p16="http://schemas.microsoft.com/office/powerpoint/2015/main" val="1"/>
-                </p:ext>
-              </p:extLst>
-            </p:nvPr>
-          </p:nvCxnSpPr>
-          <p:spPr>
-            <a:xfrm>
-              <a:off x="0" y="714597"/>
-              <a:ext cx="12192000" cy="0"/>
-            </a:xfrm>
-            <a:prstGeom prst="line">
-              <a:avLst/>
-            </a:prstGeom>
-            <a:ln w="12700">
-              <a:solidFill>
-                <a:srgbClr val="BCBCBC">
-                  <a:alpha val="29804"/>
-                </a:srgbClr>
-              </a:solidFill>
-              <a:prstDash val="sysDot"/>
-            </a:ln>
-          </p:spPr>
-          <p:style>
-            <a:lnRef idx="1">
-              <a:schemeClr val="accent1"/>
-            </a:lnRef>
-            <a:fillRef idx="0">
-              <a:schemeClr val="accent1"/>
-            </a:fillRef>
-            <a:effectRef idx="0">
-              <a:schemeClr val="accent1"/>
-            </a:effectRef>
-            <a:fontRef idx="minor">
-              <a:schemeClr val="tx1"/>
-            </a:fontRef>
-          </p:style>
-        </p:cxnSp>
-        <p:cxnSp>
-          <p:nvCxnSpPr>
-            <p:cNvPr id="35" name="Straight Connector 34">
-              <a:extLst>
-                <a:ext uri="{FF2B5EF4-FFF2-40B4-BE49-F238E27FC236}">
-                  <a16:creationId xmlns:a16="http://schemas.microsoft.com/office/drawing/2014/main" id="{6F7D26D0-83A1-41B0-82E3-FB5D3E93EE79}"/>
-                </a:ext>
-                <a:ext uri="{C183D7F6-B498-43B3-948B-1728B52AA6E4}">
-                  <adec:decorative xmlns:adec="http://schemas.microsoft.com/office/drawing/2017/decorative" val="1"/>
-                </a:ext>
-              </a:extLst>
-            </p:cNvPr>
-            <p:cNvCxnSpPr>
-              <a:cxnSpLocks/>
-            </p:cNvCxnSpPr>
-            <p:nvPr>
-              <p:extLst>
-                <p:ext uri="{386F3935-93C4-4BCD-93E2-E3B085C9AB24}">
-                  <p16:designElem xmlns:p16="http://schemas.microsoft.com/office/powerpoint/2015/main" val="1"/>
-                </p:ext>
-              </p:extLst>
-            </p:nvPr>
-          </p:nvCxnSpPr>
-          <p:spPr>
-            <a:xfrm>
-              <a:off x="0" y="1257478"/>
-              <a:ext cx="12192000" cy="0"/>
-            </a:xfrm>
-            <a:prstGeom prst="line">
-              <a:avLst/>
-            </a:prstGeom>
-            <a:ln w="12700">
-              <a:solidFill>
-                <a:srgbClr val="BCBCBC">
-                  <a:alpha val="29804"/>
-                </a:srgbClr>
-              </a:solidFill>
-              <a:prstDash val="sysDot"/>
-            </a:ln>
-          </p:spPr>
-          <p:style>
-            <a:lnRef idx="1">
-              <a:schemeClr val="accent1"/>
-            </a:lnRef>
-            <a:fillRef idx="0">
-              <a:schemeClr val="accent1"/>
-            </a:fillRef>
-            <a:effectRef idx="0">
-              <a:schemeClr val="accent1"/>
-            </a:effectRef>
-            <a:fontRef idx="minor">
-              <a:schemeClr val="tx1"/>
-            </a:fontRef>
-          </p:style>
-        </p:cxnSp>
-        <p:cxnSp>
-          <p:nvCxnSpPr>
-            <p:cNvPr id="36" name="Straight Connector 35">
-              <a:extLst>
-                <a:ext uri="{FF2B5EF4-FFF2-40B4-BE49-F238E27FC236}">
-                  <a16:creationId xmlns:a16="http://schemas.microsoft.com/office/drawing/2014/main" id="{07E47C02-EBB8-4368-815C-FEDA23368DD9}"/>
-                </a:ext>
-                <a:ext uri="{C183D7F6-B498-43B3-948B-1728B52AA6E4}">
-                  <adec:decorative xmlns:adec="http://schemas.microsoft.com/office/drawing/2017/decorative" val="1"/>
-                </a:ext>
-              </a:extLst>
-            </p:cNvPr>
-            <p:cNvCxnSpPr>
-              <a:cxnSpLocks/>
-            </p:cNvCxnSpPr>
-            <p:nvPr>
-              <p:extLst>
-                <p:ext uri="{386F3935-93C4-4BCD-93E2-E3B085C9AB24}">
-                  <p16:designElem xmlns:p16="http://schemas.microsoft.com/office/powerpoint/2015/main" val="1"/>
-                </p:ext>
-              </p:extLst>
-            </p:nvPr>
-          </p:nvCxnSpPr>
-          <p:spPr>
-            <a:xfrm>
-              <a:off x="0" y="1800359"/>
-              <a:ext cx="12192000" cy="0"/>
-            </a:xfrm>
-            <a:prstGeom prst="line">
-              <a:avLst/>
-            </a:prstGeom>
-            <a:ln w="12700">
-              <a:solidFill>
-                <a:srgbClr val="BCBCBC">
-                  <a:alpha val="29804"/>
-                </a:srgbClr>
-              </a:solidFill>
-              <a:prstDash val="sysDot"/>
-            </a:ln>
-          </p:spPr>
-          <p:style>
-            <a:lnRef idx="1">
-              <a:schemeClr val="accent1"/>
-            </a:lnRef>
-            <a:fillRef idx="0">
-              <a:schemeClr val="accent1"/>
-            </a:fillRef>
-            <a:effectRef idx="0">
-              <a:schemeClr val="accent1"/>
-            </a:effectRef>
-            <a:fontRef idx="minor">
-              <a:schemeClr val="tx1"/>
-            </a:fontRef>
-          </p:style>
-        </p:cxnSp>
-        <p:cxnSp>
-          <p:nvCxnSpPr>
-            <p:cNvPr id="37" name="Straight Connector 36">
-              <a:extLst>
-                <a:ext uri="{FF2B5EF4-FFF2-40B4-BE49-F238E27FC236}">
-                  <a16:creationId xmlns:a16="http://schemas.microsoft.com/office/drawing/2014/main" id="{8E61DA55-8618-4048-A65A-41E072D9FF9D}"/>
-                </a:ext>
-                <a:ext uri="{C183D7F6-B498-43B3-948B-1728B52AA6E4}">
-                  <adec:decorative xmlns:adec="http://schemas.microsoft.com/office/drawing/2017/decorative" val="1"/>
-                </a:ext>
-              </a:extLst>
-            </p:cNvPr>
-            <p:cNvCxnSpPr>
-              <a:cxnSpLocks/>
-            </p:cNvCxnSpPr>
-            <p:nvPr>
-              <p:extLst>
-                <p:ext uri="{386F3935-93C4-4BCD-93E2-E3B085C9AB24}">
-                  <p16:designElem xmlns:p16="http://schemas.microsoft.com/office/powerpoint/2015/main" val="1"/>
-                </p:ext>
-              </p:extLst>
-            </p:nvPr>
-          </p:nvCxnSpPr>
-          <p:spPr>
-            <a:xfrm>
-              <a:off x="0" y="2343240"/>
-              <a:ext cx="12192000" cy="0"/>
-            </a:xfrm>
-            <a:prstGeom prst="line">
-              <a:avLst/>
-            </a:prstGeom>
-            <a:ln w="12700">
-              <a:solidFill>
-                <a:srgbClr val="BCBCBC">
-                  <a:alpha val="29804"/>
-                </a:srgbClr>
-              </a:solidFill>
-              <a:prstDash val="sysDot"/>
-            </a:ln>
-          </p:spPr>
-          <p:style>
-            <a:lnRef idx="1">
-              <a:schemeClr val="accent1"/>
-            </a:lnRef>
-            <a:fillRef idx="0">
-              <a:schemeClr val="accent1"/>
-            </a:fillRef>
-            <a:effectRef idx="0">
-              <a:schemeClr val="accent1"/>
-            </a:effectRef>
-            <a:fontRef idx="minor">
-              <a:schemeClr val="tx1"/>
-            </a:fontRef>
-          </p:style>
-        </p:cxnSp>
-        <p:cxnSp>
-          <p:nvCxnSpPr>
-            <p:cNvPr id="38" name="Straight Connector 37">
-              <a:extLst>
-                <a:ext uri="{FF2B5EF4-FFF2-40B4-BE49-F238E27FC236}">
-                  <a16:creationId xmlns:a16="http://schemas.microsoft.com/office/drawing/2014/main" id="{4DFC058B-6608-4509-92E1-D4D0D5BD57AC}"/>
-                </a:ext>
-                <a:ext uri="{C183D7F6-B498-43B3-948B-1728B52AA6E4}">
-                  <adec:decorative xmlns:adec="http://schemas.microsoft.com/office/drawing/2017/decorative" val="1"/>
-                </a:ext>
-              </a:extLst>
-            </p:cNvPr>
-            <p:cNvCxnSpPr>
-              <a:cxnSpLocks/>
-            </p:cNvCxnSpPr>
-            <p:nvPr>
-              <p:extLst>
-                <p:ext uri="{386F3935-93C4-4BCD-93E2-E3B085C9AB24}">
-                  <p16:designElem xmlns:p16="http://schemas.microsoft.com/office/powerpoint/2015/main" val="1"/>
-                </p:ext>
-              </p:extLst>
-            </p:nvPr>
-          </p:nvCxnSpPr>
-          <p:spPr>
-            <a:xfrm>
-              <a:off x="0" y="2886121"/>
-              <a:ext cx="12192000" cy="0"/>
-            </a:xfrm>
-            <a:prstGeom prst="line">
-              <a:avLst/>
-            </a:prstGeom>
-            <a:ln w="12700">
-              <a:solidFill>
-                <a:srgbClr val="BCBCBC">
-                  <a:alpha val="29804"/>
-                </a:srgbClr>
-              </a:solidFill>
-              <a:prstDash val="sysDot"/>
-            </a:ln>
-          </p:spPr>
-          <p:style>
-            <a:lnRef idx="1">
-              <a:schemeClr val="accent1"/>
-            </a:lnRef>
-            <a:fillRef idx="0">
-              <a:schemeClr val="accent1"/>
-            </a:fillRef>
-            <a:effectRef idx="0">
-              <a:schemeClr val="accent1"/>
-            </a:effectRef>
-            <a:fontRef idx="minor">
-              <a:schemeClr val="tx1"/>
-            </a:fontRef>
-          </p:style>
-        </p:cxnSp>
-        <p:cxnSp>
-          <p:nvCxnSpPr>
-            <p:cNvPr id="39" name="Straight Connector 38">
-              <a:extLst>
-                <a:ext uri="{FF2B5EF4-FFF2-40B4-BE49-F238E27FC236}">
-                  <a16:creationId xmlns:a16="http://schemas.microsoft.com/office/drawing/2014/main" id="{9E3652A3-36D6-4E0C-B7FB-52CD69E9CF9B}"/>
-                </a:ext>
-                <a:ext uri="{C183D7F6-B498-43B3-948B-1728B52AA6E4}">
-                  <adec:decorative xmlns:adec="http://schemas.microsoft.com/office/drawing/2017/decorative" val="1"/>
-                </a:ext>
-              </a:extLst>
-            </p:cNvPr>
-            <p:cNvCxnSpPr>
-              <a:cxnSpLocks/>
-            </p:cNvCxnSpPr>
-            <p:nvPr>
-              <p:extLst>
-                <p:ext uri="{386F3935-93C4-4BCD-93E2-E3B085C9AB24}">
-                  <p16:designElem xmlns:p16="http://schemas.microsoft.com/office/powerpoint/2015/main" val="1"/>
-                </p:ext>
-              </p:extLst>
-            </p:nvPr>
-          </p:nvCxnSpPr>
-          <p:spPr>
-            <a:xfrm>
-              <a:off x="0" y="3429002"/>
-              <a:ext cx="12192000" cy="0"/>
-            </a:xfrm>
-            <a:prstGeom prst="line">
-              <a:avLst/>
-            </a:prstGeom>
-            <a:ln w="12700">
-              <a:solidFill>
-                <a:srgbClr val="BCBCBC">
-                  <a:alpha val="29804"/>
-                </a:srgbClr>
-              </a:solidFill>
-              <a:prstDash val="sysDot"/>
-            </a:ln>
-          </p:spPr>
-          <p:style>
-            <a:lnRef idx="1">
-              <a:schemeClr val="accent1"/>
-            </a:lnRef>
-            <a:fillRef idx="0">
-              <a:schemeClr val="accent1"/>
-            </a:fillRef>
-            <a:effectRef idx="0">
-              <a:schemeClr val="accent1"/>
-            </a:effectRef>
-            <a:fontRef idx="minor">
-              <a:schemeClr val="tx1"/>
-            </a:fontRef>
-          </p:style>
-        </p:cxnSp>
-        <p:cxnSp>
-          <p:nvCxnSpPr>
-            <p:cNvPr id="40" name="Straight Connector 39">
-              <a:extLst>
-                <a:ext uri="{FF2B5EF4-FFF2-40B4-BE49-F238E27FC236}">
-                  <a16:creationId xmlns:a16="http://schemas.microsoft.com/office/drawing/2014/main" id="{8BF82BE6-B2D5-4FA1-98B4-1E0072C391EC}"/>
-                </a:ext>
-                <a:ext uri="{C183D7F6-B498-43B3-948B-1728B52AA6E4}">
-                  <adec:decorative xmlns:adec="http://schemas.microsoft.com/office/drawing/2017/decorative" val="1"/>
-                </a:ext>
-              </a:extLst>
-            </p:cNvPr>
-            <p:cNvCxnSpPr>
-              <a:cxnSpLocks/>
-            </p:cNvCxnSpPr>
-            <p:nvPr>
-              <p:extLst>
-                <p:ext uri="{386F3935-93C4-4BCD-93E2-E3B085C9AB24}">
-                  <p16:designElem xmlns:p16="http://schemas.microsoft.com/office/powerpoint/2015/main" val="1"/>
-                </p:ext>
-              </p:extLst>
-            </p:nvPr>
-          </p:nvCxnSpPr>
-          <p:spPr>
-            <a:xfrm>
-              <a:off x="0" y="3971883"/>
-              <a:ext cx="12192000" cy="0"/>
-            </a:xfrm>
-            <a:prstGeom prst="line">
-              <a:avLst/>
-            </a:prstGeom>
-            <a:ln w="12700">
-              <a:solidFill>
-                <a:srgbClr val="BCBCBC">
-                  <a:alpha val="29804"/>
-                </a:srgbClr>
-              </a:solidFill>
-              <a:prstDash val="sysDot"/>
-            </a:ln>
-          </p:spPr>
-          <p:style>
-            <a:lnRef idx="1">
-              <a:schemeClr val="accent1"/>
-            </a:lnRef>
-            <a:fillRef idx="0">
-              <a:schemeClr val="accent1"/>
-            </a:fillRef>
-            <a:effectRef idx="0">
-              <a:schemeClr val="accent1"/>
-            </a:effectRef>
-            <a:fontRef idx="minor">
-              <a:schemeClr val="tx1"/>
-            </a:fontRef>
-          </p:style>
-        </p:cxnSp>
-        <p:cxnSp>
-          <p:nvCxnSpPr>
-            <p:cNvPr id="41" name="Straight Connector 40">
-              <a:extLst>
-                <a:ext uri="{FF2B5EF4-FFF2-40B4-BE49-F238E27FC236}">
-                  <a16:creationId xmlns:a16="http://schemas.microsoft.com/office/drawing/2014/main" id="{AECA553C-C7B8-4353-BC4C-D622087D6F15}"/>
-                </a:ext>
-                <a:ext uri="{C183D7F6-B498-43B3-948B-1728B52AA6E4}">
-                  <adec:decorative xmlns:adec="http://schemas.microsoft.com/office/drawing/2017/decorative" val="1"/>
-                </a:ext>
-              </a:extLst>
-            </p:cNvPr>
-            <p:cNvCxnSpPr>
-              <a:cxnSpLocks/>
-            </p:cNvCxnSpPr>
-            <p:nvPr>
-              <p:extLst>
-                <p:ext uri="{386F3935-93C4-4BCD-93E2-E3B085C9AB24}">
-                  <p16:designElem xmlns:p16="http://schemas.microsoft.com/office/powerpoint/2015/main" val="1"/>
-                </p:ext>
-              </p:extLst>
-            </p:nvPr>
-          </p:nvCxnSpPr>
-          <p:spPr>
-            <a:xfrm>
-              <a:off x="0" y="4514764"/>
-              <a:ext cx="12192000" cy="0"/>
-            </a:xfrm>
-            <a:prstGeom prst="line">
-              <a:avLst/>
-            </a:prstGeom>
-            <a:ln w="12700">
-              <a:solidFill>
-                <a:srgbClr val="BCBCBC">
-                  <a:alpha val="29804"/>
-                </a:srgbClr>
-              </a:solidFill>
-              <a:prstDash val="sysDot"/>
-            </a:ln>
-          </p:spPr>
-          <p:style>
-            <a:lnRef idx="1">
-              <a:schemeClr val="accent1"/>
-            </a:lnRef>
-            <a:fillRef idx="0">
-              <a:schemeClr val="accent1"/>
-            </a:fillRef>
-            <a:effectRef idx="0">
-              <a:schemeClr val="accent1"/>
-            </a:effectRef>
-            <a:fontRef idx="minor">
-              <a:schemeClr val="tx1"/>
-            </a:fontRef>
-          </p:style>
-        </p:cxnSp>
-        <p:cxnSp>
-          <p:nvCxnSpPr>
-            <p:cNvPr id="42" name="Straight Connector 41">
-              <a:extLst>
-                <a:ext uri="{FF2B5EF4-FFF2-40B4-BE49-F238E27FC236}">
-                  <a16:creationId xmlns:a16="http://schemas.microsoft.com/office/drawing/2014/main" id="{1F802227-5CA9-40B4-870E-495C7899C755}"/>
-                </a:ext>
-                <a:ext uri="{C183D7F6-B498-43B3-948B-1728B52AA6E4}">
-                  <adec:decorative xmlns:adec="http://schemas.microsoft.com/office/drawing/2017/decorative" val="1"/>
-                </a:ext>
-              </a:extLst>
-            </p:cNvPr>
-            <p:cNvCxnSpPr>
-              <a:cxnSpLocks/>
-            </p:cNvCxnSpPr>
-            <p:nvPr>
-              <p:extLst>
-                <p:ext uri="{386F3935-93C4-4BCD-93E2-E3B085C9AB24}">
-                  <p16:designElem xmlns:p16="http://schemas.microsoft.com/office/powerpoint/2015/main" val="1"/>
-                </p:ext>
-              </p:extLst>
-            </p:nvPr>
-          </p:nvCxnSpPr>
-          <p:spPr>
-            <a:xfrm>
-              <a:off x="0" y="5057645"/>
-              <a:ext cx="12192000" cy="0"/>
-            </a:xfrm>
-            <a:prstGeom prst="line">
-              <a:avLst/>
-            </a:prstGeom>
-            <a:ln w="12700">
-              <a:solidFill>
-                <a:srgbClr val="BCBCBC">
-                  <a:alpha val="29804"/>
-                </a:srgbClr>
-              </a:solidFill>
-              <a:prstDash val="sysDot"/>
-            </a:ln>
-          </p:spPr>
-          <p:style>
-            <a:lnRef idx="1">
-              <a:schemeClr val="accent1"/>
-            </a:lnRef>
-            <a:fillRef idx="0">
-              <a:schemeClr val="accent1"/>
-            </a:fillRef>
-            <a:effectRef idx="0">
-              <a:schemeClr val="accent1"/>
-            </a:effectRef>
-            <a:fontRef idx="minor">
-              <a:schemeClr val="tx1"/>
-            </a:fontRef>
-          </p:style>
-        </p:cxnSp>
-        <p:cxnSp>
-          <p:nvCxnSpPr>
-            <p:cNvPr id="43" name="Straight Connector 42">
-              <a:extLst>
-                <a:ext uri="{FF2B5EF4-FFF2-40B4-BE49-F238E27FC236}">
-                  <a16:creationId xmlns:a16="http://schemas.microsoft.com/office/drawing/2014/main" id="{11A19F9E-BB49-4808-8481-77F848C2F4FC}"/>
-                </a:ext>
-                <a:ext uri="{C183D7F6-B498-43B3-948B-1728B52AA6E4}">
-                  <adec:decorative xmlns:adec="http://schemas.microsoft.com/office/drawing/2017/decorative" val="1"/>
-                </a:ext>
-              </a:extLst>
-            </p:cNvPr>
-            <p:cNvCxnSpPr>
-              <a:cxnSpLocks/>
-            </p:cNvCxnSpPr>
-            <p:nvPr>
-              <p:extLst>
-                <p:ext uri="{386F3935-93C4-4BCD-93E2-E3B085C9AB24}">
-                  <p16:designElem xmlns:p16="http://schemas.microsoft.com/office/powerpoint/2015/main" val="1"/>
-                </p:ext>
-              </p:extLst>
-            </p:nvPr>
-          </p:nvCxnSpPr>
-          <p:spPr>
-            <a:xfrm>
-              <a:off x="0" y="5600526"/>
-              <a:ext cx="12192000" cy="0"/>
-            </a:xfrm>
-            <a:prstGeom prst="line">
-              <a:avLst/>
-            </a:prstGeom>
-            <a:ln w="12700">
-              <a:solidFill>
-                <a:srgbClr val="BCBCBC">
-                  <a:alpha val="29804"/>
-                </a:srgbClr>
-              </a:solidFill>
-              <a:prstDash val="sysDot"/>
-            </a:ln>
-          </p:spPr>
-          <p:style>
-            <a:lnRef idx="1">
-              <a:schemeClr val="accent1"/>
-            </a:lnRef>
-            <a:fillRef idx="0">
-              <a:schemeClr val="accent1"/>
-            </a:fillRef>
-            <a:effectRef idx="0">
-              <a:schemeClr val="accent1"/>
-            </a:effectRef>
-            <a:fontRef idx="minor">
-              <a:schemeClr val="tx1"/>
-            </a:fontRef>
-          </p:style>
-        </p:cxnSp>
-        <p:cxnSp>
-          <p:nvCxnSpPr>
-            <p:cNvPr id="44" name="Straight Connector 43">
-              <a:extLst>
-                <a:ext uri="{FF2B5EF4-FFF2-40B4-BE49-F238E27FC236}">
-                  <a16:creationId xmlns:a16="http://schemas.microsoft.com/office/drawing/2014/main" id="{C53A57BE-F139-4C31-8201-477E20DD2A94}"/>
-                </a:ext>
-                <a:ext uri="{C183D7F6-B498-43B3-948B-1728B52AA6E4}">
-                  <adec:decorative xmlns:adec="http://schemas.microsoft.com/office/drawing/2017/decorative" val="1"/>
-                </a:ext>
-              </a:extLst>
-            </p:cNvPr>
-            <p:cNvCxnSpPr>
-              <a:cxnSpLocks/>
-            </p:cNvCxnSpPr>
-            <p:nvPr>
-              <p:extLst>
-                <p:ext uri="{386F3935-93C4-4BCD-93E2-E3B085C9AB24}">
-                  <p16:designElem xmlns:p16="http://schemas.microsoft.com/office/powerpoint/2015/main" val="1"/>
-                </p:ext>
-              </p:extLst>
-            </p:nvPr>
-          </p:nvCxnSpPr>
-          <p:spPr>
-            <a:xfrm>
-              <a:off x="0" y="6857999"/>
-              <a:ext cx="12192000" cy="0"/>
-            </a:xfrm>
-            <a:prstGeom prst="line">
-              <a:avLst/>
-            </a:prstGeom>
-            <a:ln w="12700">
-              <a:solidFill>
-                <a:srgbClr val="BCBCBC">
-                  <a:alpha val="29804"/>
-                </a:srgbClr>
-              </a:solidFill>
-              <a:prstDash val="sysDot"/>
-            </a:ln>
-          </p:spPr>
-          <p:style>
-            <a:lnRef idx="1">
-              <a:schemeClr val="accent1"/>
-            </a:lnRef>
-            <a:fillRef idx="0">
-              <a:schemeClr val="accent1"/>
-            </a:fillRef>
-            <a:effectRef idx="0">
-              <a:schemeClr val="accent1"/>
-            </a:effectRef>
-            <a:fontRef idx="minor">
-              <a:schemeClr val="tx1"/>
-            </a:fontRef>
-          </p:style>
-        </p:cxnSp>
-        <p:cxnSp>
-          <p:nvCxnSpPr>
-            <p:cNvPr id="45" name="Straight Connector 44">
-              <a:extLst>
-                <a:ext uri="{FF2B5EF4-FFF2-40B4-BE49-F238E27FC236}">
-                  <a16:creationId xmlns:a16="http://schemas.microsoft.com/office/drawing/2014/main" id="{99F800EC-2D85-47C7-BFB8-B146DD929C82}"/>
-                </a:ext>
-                <a:ext uri="{C183D7F6-B498-43B3-948B-1728B52AA6E4}">
-                  <adec:decorative xmlns:adec="http://schemas.microsoft.com/office/drawing/2017/decorative" val="1"/>
-                </a:ext>
-              </a:extLst>
-            </p:cNvPr>
-            <p:cNvCxnSpPr>
-              <a:cxnSpLocks/>
-            </p:cNvCxnSpPr>
-            <p:nvPr>
-              <p:extLst>
-                <p:ext uri="{386F3935-93C4-4BCD-93E2-E3B085C9AB24}">
-                  <p16:designElem xmlns:p16="http://schemas.microsoft.com/office/powerpoint/2015/main" val="1"/>
-                </p:ext>
-              </p:extLst>
-            </p:nvPr>
-          </p:nvCxnSpPr>
-          <p:spPr>
-            <a:xfrm>
-              <a:off x="16613" y="6143407"/>
-              <a:ext cx="12192000" cy="0"/>
-            </a:xfrm>
-            <a:prstGeom prst="line">
-              <a:avLst/>
-            </a:prstGeom>
-            <a:ln w="12700">
-              <a:solidFill>
-                <a:srgbClr val="BCBCBC">
-                  <a:alpha val="29804"/>
-                </a:srgbClr>
-              </a:solidFill>
-              <a:prstDash val="sysDot"/>
-            </a:ln>
-          </p:spPr>
-          <p:style>
-            <a:lnRef idx="1">
-              <a:schemeClr val="accent1"/>
-            </a:lnRef>
-            <a:fillRef idx="0">
-              <a:schemeClr val="accent1"/>
-            </a:fillRef>
-            <a:effectRef idx="0">
-              <a:schemeClr val="accent1"/>
-            </a:effectRef>
-            <a:fontRef idx="minor">
-              <a:schemeClr val="tx1"/>
-            </a:fontRef>
-          </p:style>
-        </p:cxnSp>
-        <p:cxnSp>
-          <p:nvCxnSpPr>
-            <p:cNvPr id="46" name="Straight Connector 45">
-              <a:extLst>
-                <a:ext uri="{FF2B5EF4-FFF2-40B4-BE49-F238E27FC236}">
-                  <a16:creationId xmlns:a16="http://schemas.microsoft.com/office/drawing/2014/main" id="{4478BA6D-3F48-40B1-8227-830029B6286A}"/>
-                </a:ext>
-                <a:ext uri="{C183D7F6-B498-43B3-948B-1728B52AA6E4}">
-                  <adec:decorative xmlns:adec="http://schemas.microsoft.com/office/drawing/2017/decorative" val="1"/>
-                </a:ext>
-              </a:extLst>
-            </p:cNvPr>
-            <p:cNvCxnSpPr>
-              <a:cxnSpLocks/>
-            </p:cNvCxnSpPr>
-            <p:nvPr>
-              <p:extLst>
-                <p:ext uri="{386F3935-93C4-4BCD-93E2-E3B085C9AB24}">
-                  <p16:designElem xmlns:p16="http://schemas.microsoft.com/office/powerpoint/2015/main" val="1"/>
-                </p:ext>
-              </p:extLst>
-            </p:nvPr>
-          </p:nvCxnSpPr>
-          <p:spPr>
-            <a:xfrm>
-              <a:off x="684225" y="171716"/>
-              <a:ext cx="0" cy="6511464"/>
-            </a:xfrm>
-            <a:prstGeom prst="line">
-              <a:avLst/>
-            </a:prstGeom>
-            <a:ln w="12700">
-              <a:solidFill>
-                <a:srgbClr val="BCBCBC">
-                  <a:alpha val="29804"/>
-                </a:srgbClr>
-              </a:solidFill>
-              <a:prstDash val="sysDot"/>
-            </a:ln>
-          </p:spPr>
-          <p:style>
-            <a:lnRef idx="1">
-              <a:schemeClr val="accent1"/>
-            </a:lnRef>
-            <a:fillRef idx="0">
-              <a:schemeClr val="accent1"/>
-            </a:fillRef>
-            <a:effectRef idx="0">
-              <a:schemeClr val="accent1"/>
-            </a:effectRef>
-            <a:fontRef idx="minor">
-              <a:schemeClr val="tx1"/>
-            </a:fontRef>
-          </p:style>
-        </p:cxnSp>
-        <p:cxnSp>
-          <p:nvCxnSpPr>
-            <p:cNvPr id="47" name="Straight Connector 46">
-              <a:extLst>
-                <a:ext uri="{FF2B5EF4-FFF2-40B4-BE49-F238E27FC236}">
-                  <a16:creationId xmlns:a16="http://schemas.microsoft.com/office/drawing/2014/main" id="{421E6C45-0A76-456E-BDD6-3DCB6612622A}"/>
-                </a:ext>
-                <a:ext uri="{C183D7F6-B498-43B3-948B-1728B52AA6E4}">
-                  <adec:decorative xmlns:adec="http://schemas.microsoft.com/office/drawing/2017/decorative" val="1"/>
-                </a:ext>
-              </a:extLst>
-            </p:cNvPr>
-            <p:cNvCxnSpPr>
-              <a:cxnSpLocks/>
-            </p:cNvCxnSpPr>
-            <p:nvPr>
-              <p:extLst>
-                <p:ext uri="{386F3935-93C4-4BCD-93E2-E3B085C9AB24}">
-                  <p16:designElem xmlns:p16="http://schemas.microsoft.com/office/powerpoint/2015/main" val="1"/>
-                </p:ext>
-              </p:extLst>
-            </p:nvPr>
-          </p:nvCxnSpPr>
-          <p:spPr>
-            <a:xfrm>
-              <a:off x="11508412" y="173267"/>
-              <a:ext cx="0" cy="6511464"/>
-            </a:xfrm>
-            <a:prstGeom prst="line">
-              <a:avLst/>
-            </a:prstGeom>
-            <a:ln w="12700">
-              <a:solidFill>
-                <a:srgbClr val="BCBCBC">
-                  <a:alpha val="29804"/>
-                </a:srgbClr>
-              </a:solidFill>
-              <a:prstDash val="sysDot"/>
-            </a:ln>
-          </p:spPr>
-          <p:style>
-            <a:lnRef idx="1">
-              <a:schemeClr val="accent1"/>
-            </a:lnRef>
-            <a:fillRef idx="0">
-              <a:schemeClr val="accent1"/>
-            </a:fillRef>
-            <a:effectRef idx="0">
-              <a:schemeClr val="accent1"/>
-            </a:effectRef>
-            <a:fontRef idx="minor">
-              <a:schemeClr val="tx1"/>
-            </a:fontRef>
-          </p:style>
-        </p:cxnSp>
-      </p:grpSp>
-      <p:sp>
-        <p:nvSpPr>
-          <p:cNvPr id="49" name="Right Triangle 48">
-            <a:extLst>
-              <a:ext uri="{FF2B5EF4-FFF2-40B4-BE49-F238E27FC236}">
-                <a16:creationId xmlns:a16="http://schemas.microsoft.com/office/drawing/2014/main" id="{3C541D4F-11C2-4F36-B2A3-AB9028F2A078}"/>
-              </a:ext>
-              <a:ext uri="{C183D7F6-B498-43B3-948B-1728B52AA6E4}">
-                <adec:decorative xmlns:adec="http://schemas.microsoft.com/office/drawing/2017/decorative" val="1"/>
-              </a:ext>
-            </a:extLst>
-          </p:cNvPr>
-          <p:cNvSpPr>
-            <a:spLocks noGrp="1" noRot="1" noChangeAspect="1" noMove="1" noResize="1" noEditPoints="1" noAdjustHandles="1" noChangeArrowheads="1" noChangeShapeType="1" noTextEdit="1"/>
-          </p:cNvSpPr>
-          <p:nvPr>
-            <p:extLst>
-              <p:ext uri="{386F3935-93C4-4BCD-93E2-E3B085C9AB24}">
-                <p16:designElem xmlns:p16="http://schemas.microsoft.com/office/powerpoint/2015/main" val="1"/>
-              </p:ext>
-            </p:extLst>
-          </p:nvPr>
-        </p:nvSpPr>
-        <p:spPr>
-          <a:xfrm rot="13500000">
-            <a:off x="-281093" y="2059094"/>
-            <a:ext cx="568289" cy="568289"/>
-          </a:xfrm>
-          <a:prstGeom prst="rtTriangle">
-            <a:avLst/>
-          </a:prstGeom>
-          <a:solidFill>
-            <a:schemeClr val="accent1">
-              <a:alpha val="50000"/>
-            </a:schemeClr>
-          </a:solidFill>
-          <a:ln>
-            <a:noFill/>
-          </a:ln>
-        </p:spPr>
-        <p:style>
-          <a:lnRef idx="2">
-            <a:schemeClr val="accent1">
-              <a:shade val="50000"/>
-            </a:schemeClr>
-          </a:lnRef>
-          <a:fillRef idx="1">
-            <a:schemeClr val="accent1"/>
-          </a:fillRef>
-          <a:effectRef idx="0">
-            <a:schemeClr val="accent1"/>
-          </a:effectRef>
-          <a:fontRef idx="minor">
-            <a:schemeClr val="lt1"/>
-          </a:fontRef>
-        </p:style>
-        <p:txBody>
-          <a:bodyPr rtlCol="0" anchor="ctr"/>
-          <a:lstStyle/>
-          <a:p>
-            <a:pPr algn="ctr"/>
-            <a:endParaRPr lang="en-US">
-              <a:solidFill>
-                <a:schemeClr val="tx1"/>
-              </a:solidFill>
-            </a:endParaRPr>
-          </a:p>
-        </p:txBody>
-      </p:sp>
-      <p:sp>
-        <p:nvSpPr>
-          <p:cNvPr id="2" name="제목 1">
-            <a:extLst>
-              <a:ext uri="{FF2B5EF4-FFF2-40B4-BE49-F238E27FC236}">
-                <a16:creationId xmlns:a16="http://schemas.microsoft.com/office/drawing/2014/main" id="{DA5309D9-7B11-5C23-022B-09941979E64C}"/>
-              </a:ext>
-            </a:extLst>
-          </p:cNvPr>
-          <p:cNvSpPr>
-            <a:spLocks noGrp="1"/>
-          </p:cNvSpPr>
-          <p:nvPr>
-            <p:ph type="title"/>
-          </p:nvPr>
-        </p:nvSpPr>
-        <p:spPr>
-          <a:xfrm>
-            <a:off x="691079" y="665377"/>
-            <a:ext cx="4038652" cy="500278"/>
-          </a:xfrm>
-        </p:spPr>
-        <p:txBody>
-          <a:bodyPr>
-            <a:normAutofit fontScale="90000"/>
-          </a:bodyPr>
-          <a:lstStyle/>
-          <a:p>
-            <a:r>
-              <a:rPr lang="en-US" altLang="ko-KR" sz="3200" dirty="0"/>
-              <a:t>2020-2022</a:t>
-            </a:r>
-            <a:r>
-              <a:rPr lang="ko-KR" altLang="en-US" sz="3200" dirty="0"/>
-              <a:t>년도 예측</a:t>
-            </a:r>
-          </a:p>
-        </p:txBody>
-      </p:sp>
-      <p:sp>
-        <p:nvSpPr>
-          <p:cNvPr id="11" name="Content Placeholder 10">
-            <a:extLst>
-              <a:ext uri="{FF2B5EF4-FFF2-40B4-BE49-F238E27FC236}">
-                <a16:creationId xmlns:a16="http://schemas.microsoft.com/office/drawing/2014/main" id="{055BE87C-708B-0466-664F-1BA1B8E519AD}"/>
-              </a:ext>
-            </a:extLst>
-          </p:cNvPr>
-          <p:cNvSpPr>
-            <a:spLocks noGrp="1"/>
-          </p:cNvSpPr>
-          <p:nvPr>
-            <p:ph idx="1"/>
-          </p:nvPr>
-        </p:nvSpPr>
-        <p:spPr>
-          <a:xfrm>
-            <a:off x="691079" y="2886117"/>
-            <a:ext cx="4038652" cy="3276824"/>
-          </a:xfrm>
-        </p:spPr>
-        <p:txBody>
-          <a:bodyPr>
-            <a:normAutofit/>
-          </a:bodyPr>
-          <a:lstStyle/>
-          <a:p>
-            <a:endParaRPr lang="en-US" dirty="0"/>
-          </a:p>
-        </p:txBody>
-      </p:sp>
-      <p:pic>
-        <p:nvPicPr>
-          <p:cNvPr id="7" name="내용 개체 틀 6">
-            <a:extLst>
-              <a:ext uri="{FF2B5EF4-FFF2-40B4-BE49-F238E27FC236}">
-                <a16:creationId xmlns:a16="http://schemas.microsoft.com/office/drawing/2014/main" id="{4C5C3E6E-E32A-B432-4E38-5CE39FF449B1}"/>
-              </a:ext>
-            </a:extLst>
-          </p:cNvPr>
-          <p:cNvPicPr>
-            <a:picLocks noChangeAspect="1"/>
-          </p:cNvPicPr>
-          <p:nvPr/>
-        </p:nvPicPr>
-        <p:blipFill>
-          <a:blip r:embed="rId2"/>
-          <a:stretch>
-            <a:fillRect/>
-          </a:stretch>
-        </p:blipFill>
-        <p:spPr>
-          <a:xfrm>
-            <a:off x="673579" y="1429189"/>
-            <a:ext cx="6401443" cy="4801082"/>
-          </a:xfrm>
-          <a:prstGeom prst="rect">
-            <a:avLst/>
-          </a:prstGeom>
-        </p:spPr>
-      </p:pic>
-    </p:spTree>
-    <p:extLst>
-      <p:ext uri="{BB962C8B-B14F-4D97-AF65-F5344CB8AC3E}">
-        <p14:creationId xmlns:p14="http://schemas.microsoft.com/office/powerpoint/2010/main" val="256884221"/>
-      </p:ext>
-    </p:extLst>
-  </p:cSld>
-  <p:clrMapOvr>
-    <a:masterClrMapping/>
-  </p:clrMapOvr>
-</p:sld>
-</file>
-
-<file path=ppt/slides/slide9.xml><?xml version="1.0" encoding="utf-8"?>
-<p:sld xmlns:a="http://schemas.openxmlformats.org/drawingml/2006/main" xmlns:r="http://schemas.openxmlformats.org/officeDocument/2006/relationships" xmlns:p="http://schemas.openxmlformats.org/presentationml/2006/main">
-  <p:cSld>
     <p:spTree>
       <p:nvGrpSpPr>
         <p:cNvPr id="1" name=""/>
@@ -40979,6 +37987,988 @@
     <p:extLst>
       <p:ext uri="{BB962C8B-B14F-4D97-AF65-F5344CB8AC3E}">
         <p14:creationId xmlns:p14="http://schemas.microsoft.com/office/powerpoint/2010/main" val="1689022219"/>
+      </p:ext>
+    </p:extLst>
+  </p:cSld>
+  <p:clrMapOvr>
+    <a:masterClrMapping/>
+  </p:clrMapOvr>
+</p:sld>
+</file>
+
+<file path=ppt/slides/slide9.xml><?xml version="1.0" encoding="utf-8"?>
+<p:sld xmlns:a="http://schemas.openxmlformats.org/drawingml/2006/main" xmlns:r="http://schemas.openxmlformats.org/officeDocument/2006/relationships" xmlns:p="http://schemas.openxmlformats.org/presentationml/2006/main">
+  <p:cSld>
+    <p:spTree>
+      <p:nvGrpSpPr>
+        <p:cNvPr id="1" name=""/>
+        <p:cNvGrpSpPr/>
+        <p:nvPr/>
+      </p:nvGrpSpPr>
+      <p:grpSpPr>
+        <a:xfrm>
+          <a:off x="0" y="0"/>
+          <a:ext cx="0" cy="0"/>
+          <a:chOff x="0" y="0"/>
+          <a:chExt cx="0" cy="0"/>
+        </a:xfrm>
+      </p:grpSpPr>
+      <p:sp>
+        <p:nvSpPr>
+          <p:cNvPr id="2" name="제목 1">
+            <a:extLst>
+              <a:ext uri="{FF2B5EF4-FFF2-40B4-BE49-F238E27FC236}">
+                <a16:creationId xmlns:a16="http://schemas.microsoft.com/office/drawing/2014/main" id="{CFFD4E4E-54A9-599F-72C2-B2CA1DF5986F}"/>
+              </a:ext>
+            </a:extLst>
+          </p:cNvPr>
+          <p:cNvSpPr>
+            <a:spLocks noGrp="1"/>
+          </p:cNvSpPr>
+          <p:nvPr>
+            <p:ph type="title"/>
+          </p:nvPr>
+        </p:nvSpPr>
+        <p:spPr/>
+        <p:txBody>
+          <a:bodyPr/>
+          <a:lstStyle/>
+          <a:p>
+            <a:r>
+              <a:rPr lang="en-US" altLang="ko-KR" dirty="0" err="1"/>
+              <a:t>auto.arima</a:t>
+            </a:r>
+            <a:endParaRPr lang="ko-KR" altLang="en-US" dirty="0"/>
+          </a:p>
+        </p:txBody>
+      </p:sp>
+      <p:sp>
+        <p:nvSpPr>
+          <p:cNvPr id="4" name="Rectangle 1">
+            <a:extLst>
+              <a:ext uri="{FF2B5EF4-FFF2-40B4-BE49-F238E27FC236}">
+                <a16:creationId xmlns:a16="http://schemas.microsoft.com/office/drawing/2014/main" id="{B65B8A57-EBCB-26A9-98A4-4710B8E6BD69}"/>
+              </a:ext>
+            </a:extLst>
+          </p:cNvPr>
+          <p:cNvSpPr>
+            <a:spLocks noGrp="1" noChangeArrowheads="1"/>
+          </p:cNvSpPr>
+          <p:nvPr>
+            <p:ph idx="1"/>
+          </p:nvPr>
+        </p:nvSpPr>
+        <p:spPr bwMode="auto">
+          <a:xfrm>
+            <a:off x="691079" y="2275690"/>
+            <a:ext cx="8275279" cy="3693319"/>
+          </a:xfrm>
+          <a:prstGeom prst="rect">
+            <a:avLst/>
+          </a:prstGeom>
+          <a:noFill/>
+          <a:ln>
+            <a:noFill/>
+          </a:ln>
+          <a:effectLst/>
+          <a:extLst>
+            <a:ext uri="{909E8E84-426E-40DD-AFC4-6F175D3DCCD1}">
+              <a14:hiddenFill xmlns:a14="http://schemas.microsoft.com/office/drawing/2010/main">
+                <a:solidFill>
+                  <a:schemeClr val="accent1"/>
+                </a:solidFill>
+              </a14:hiddenFill>
+            </a:ext>
+            <a:ext uri="{91240B29-F687-4F45-9708-019B960494DF}">
+              <a14:hiddenLine xmlns:a14="http://schemas.microsoft.com/office/drawing/2010/main" w="9525">
+                <a:solidFill>
+                  <a:schemeClr val="tx1"/>
+                </a:solidFill>
+                <a:miter lim="800000"/>
+                <a:headEnd/>
+                <a:tailEnd/>
+              </a14:hiddenLine>
+            </a:ext>
+            <a:ext uri="{AF507438-7753-43E0-B8FC-AC1667EBCBE1}">
+              <a14:hiddenEffects xmlns:a14="http://schemas.microsoft.com/office/drawing/2010/main">
+                <a:effectLst>
+                  <a:outerShdw dist="35921" dir="2700000" algn="ctr" rotWithShape="0">
+                    <a:schemeClr val="bg2"/>
+                  </a:outerShdw>
+                </a:effectLst>
+              </a14:hiddenEffects>
+            </a:ext>
+          </a:extLst>
+        </p:spPr>
+        <p:txBody>
+          <a:bodyPr vert="horz" wrap="none" lIns="91440" tIns="45720" rIns="91440" bIns="45720" numCol="1" anchor="ctr" anchorCtr="0" compatLnSpc="1">
+            <a:prstTxWarp prst="textNoShape">
+              <a:avLst/>
+            </a:prstTxWarp>
+            <a:spAutoFit/>
+          </a:bodyPr>
+          <a:lstStyle/>
+          <a:p>
+            <a:pPr marL="0" lvl="0" indent="0" eaLnBrk="0" fontAlgn="base" hangingPunct="0">
+              <a:lnSpc>
+                <a:spcPct val="100000"/>
+              </a:lnSpc>
+              <a:spcBef>
+                <a:spcPct val="0"/>
+              </a:spcBef>
+              <a:spcAft>
+                <a:spcPct val="0"/>
+              </a:spcAft>
+              <a:buClrTx/>
+              <a:buSzTx/>
+              <a:buNone/>
+            </a:pPr>
+            <a:r>
+              <a:rPr lang="en-US" altLang="ko-KR" sz="1800" dirty="0">
+                <a:solidFill>
+                  <a:srgbClr val="0070C0"/>
+                </a:solidFill>
+                <a:latin typeface="Arial" panose="020B0604020202020204" pitchFamily="34" charset="0"/>
+              </a:rPr>
+              <a:t>ARIMA(2,0,3) </a:t>
+            </a:r>
+            <a:r>
+              <a:rPr lang="en-US" altLang="ko-KR" sz="1800" dirty="0">
+                <a:solidFill>
+                  <a:schemeClr val="tx1"/>
+                </a:solidFill>
+                <a:latin typeface="Arial" panose="020B0604020202020204" pitchFamily="34" charset="0"/>
+              </a:rPr>
+              <a:t>with non-zero mean </a:t>
+            </a:r>
+          </a:p>
+          <a:p>
+            <a:pPr marL="0" lvl="0" indent="0" eaLnBrk="0" fontAlgn="base" hangingPunct="0">
+              <a:lnSpc>
+                <a:spcPct val="100000"/>
+              </a:lnSpc>
+              <a:spcBef>
+                <a:spcPct val="0"/>
+              </a:spcBef>
+              <a:spcAft>
+                <a:spcPct val="0"/>
+              </a:spcAft>
+              <a:buClrTx/>
+              <a:buSzTx/>
+              <a:buNone/>
+            </a:pPr>
+            <a:endParaRPr lang="en-US" altLang="ko-KR" sz="1800" dirty="0">
+              <a:solidFill>
+                <a:schemeClr val="tx1"/>
+              </a:solidFill>
+              <a:latin typeface="Arial" panose="020B0604020202020204" pitchFamily="34" charset="0"/>
+            </a:endParaRPr>
+          </a:p>
+          <a:p>
+            <a:pPr marL="0" lvl="0" indent="0" eaLnBrk="0" fontAlgn="base" hangingPunct="0">
+              <a:lnSpc>
+                <a:spcPct val="100000"/>
+              </a:lnSpc>
+              <a:spcBef>
+                <a:spcPct val="0"/>
+              </a:spcBef>
+              <a:spcAft>
+                <a:spcPct val="0"/>
+              </a:spcAft>
+              <a:buClrTx/>
+              <a:buSzTx/>
+              <a:buNone/>
+            </a:pPr>
+            <a:r>
+              <a:rPr lang="en-US" altLang="ko-KR" sz="1800" dirty="0">
+                <a:solidFill>
+                  <a:schemeClr val="tx1"/>
+                </a:solidFill>
+                <a:latin typeface="Arial" panose="020B0604020202020204" pitchFamily="34" charset="0"/>
+              </a:rPr>
+              <a:t>Coefficients:</a:t>
+            </a:r>
+          </a:p>
+          <a:p>
+            <a:pPr marL="0" lvl="0" indent="0" eaLnBrk="0" fontAlgn="base" hangingPunct="0">
+              <a:lnSpc>
+                <a:spcPct val="100000"/>
+              </a:lnSpc>
+              <a:spcBef>
+                <a:spcPct val="0"/>
+              </a:spcBef>
+              <a:spcAft>
+                <a:spcPct val="0"/>
+              </a:spcAft>
+              <a:buClrTx/>
+              <a:buSzTx/>
+              <a:buNone/>
+            </a:pPr>
+            <a:r>
+              <a:rPr lang="en-US" altLang="ko-KR" sz="1800" dirty="0">
+                <a:solidFill>
+                  <a:schemeClr val="tx1"/>
+                </a:solidFill>
+                <a:latin typeface="Arial" panose="020B0604020202020204" pitchFamily="34" charset="0"/>
+              </a:rPr>
+              <a:t>         ar1     ar2     ma1      ma2      ma3     mean</a:t>
+            </a:r>
+          </a:p>
+          <a:p>
+            <a:pPr marL="0" lvl="0" indent="0" eaLnBrk="0" fontAlgn="base" hangingPunct="0">
+              <a:lnSpc>
+                <a:spcPct val="100000"/>
+              </a:lnSpc>
+              <a:spcBef>
+                <a:spcPct val="0"/>
+              </a:spcBef>
+              <a:spcAft>
+                <a:spcPct val="0"/>
+              </a:spcAft>
+              <a:buClrTx/>
+              <a:buSzTx/>
+              <a:buNone/>
+            </a:pPr>
+            <a:r>
+              <a:rPr lang="en-US" altLang="ko-KR" sz="1800" dirty="0">
+                <a:solidFill>
+                  <a:schemeClr val="tx1"/>
+                </a:solidFill>
+                <a:latin typeface="Arial" panose="020B0604020202020204" pitchFamily="34" charset="0"/>
+              </a:rPr>
+              <a:t>      0.1987  0.6279  0.2882  -0.4812  -0.2353  16.5396</a:t>
+            </a:r>
+          </a:p>
+          <a:p>
+            <a:pPr marL="0" lvl="0" indent="0" eaLnBrk="0" fontAlgn="base" hangingPunct="0">
+              <a:lnSpc>
+                <a:spcPct val="100000"/>
+              </a:lnSpc>
+              <a:spcBef>
+                <a:spcPct val="0"/>
+              </a:spcBef>
+              <a:spcAft>
+                <a:spcPct val="0"/>
+              </a:spcAft>
+              <a:buClrTx/>
+              <a:buSzTx/>
+              <a:buNone/>
+            </a:pPr>
+            <a:r>
+              <a:rPr lang="en-US" altLang="ko-KR" sz="1800" dirty="0" err="1">
+                <a:solidFill>
+                  <a:schemeClr val="tx1"/>
+                </a:solidFill>
+                <a:latin typeface="Arial" panose="020B0604020202020204" pitchFamily="34" charset="0"/>
+              </a:rPr>
+              <a:t>s.e.</a:t>
+            </a:r>
+            <a:r>
+              <a:rPr lang="en-US" altLang="ko-KR" sz="1800" dirty="0">
+                <a:solidFill>
+                  <a:schemeClr val="tx1"/>
+                </a:solidFill>
+                <a:latin typeface="Arial" panose="020B0604020202020204" pitchFamily="34" charset="0"/>
+              </a:rPr>
+              <a:t>  0.0622  0.0504  0.0623   0.0336   0.0182   2.3977</a:t>
+            </a:r>
+          </a:p>
+          <a:p>
+            <a:pPr marL="0" lvl="0" indent="0" eaLnBrk="0" fontAlgn="base" hangingPunct="0">
+              <a:lnSpc>
+                <a:spcPct val="100000"/>
+              </a:lnSpc>
+              <a:spcBef>
+                <a:spcPct val="0"/>
+              </a:spcBef>
+              <a:spcAft>
+                <a:spcPct val="0"/>
+              </a:spcAft>
+              <a:buClrTx/>
+              <a:buSzTx/>
+              <a:buNone/>
+            </a:pPr>
+            <a:endParaRPr lang="en-US" altLang="ko-KR" sz="1800" dirty="0">
+              <a:solidFill>
+                <a:schemeClr val="tx1"/>
+              </a:solidFill>
+              <a:latin typeface="Arial" panose="020B0604020202020204" pitchFamily="34" charset="0"/>
+            </a:endParaRPr>
+          </a:p>
+          <a:p>
+            <a:pPr marL="0" lvl="0" indent="0" eaLnBrk="0" fontAlgn="base" hangingPunct="0">
+              <a:lnSpc>
+                <a:spcPct val="100000"/>
+              </a:lnSpc>
+              <a:spcBef>
+                <a:spcPct val="0"/>
+              </a:spcBef>
+              <a:spcAft>
+                <a:spcPct val="0"/>
+              </a:spcAft>
+              <a:buClrTx/>
+              <a:buSzTx/>
+              <a:buNone/>
+            </a:pPr>
+            <a:r>
+              <a:rPr lang="en-US" altLang="ko-KR" sz="1800" dirty="0">
+                <a:solidFill>
+                  <a:schemeClr val="tx1"/>
+                </a:solidFill>
+                <a:latin typeface="Arial" panose="020B0604020202020204" pitchFamily="34" charset="0"/>
+              </a:rPr>
+              <a:t>sigma^2 = 2907:  log likelihood = -29618.86</a:t>
+            </a:r>
+          </a:p>
+          <a:p>
+            <a:pPr marL="0" lvl="0" indent="0" eaLnBrk="0" fontAlgn="base" hangingPunct="0">
+              <a:lnSpc>
+                <a:spcPct val="100000"/>
+              </a:lnSpc>
+              <a:spcBef>
+                <a:spcPct val="0"/>
+              </a:spcBef>
+              <a:spcAft>
+                <a:spcPct val="0"/>
+              </a:spcAft>
+              <a:buClrTx/>
+              <a:buSzTx/>
+              <a:buNone/>
+            </a:pPr>
+            <a:r>
+              <a:rPr lang="en-US" altLang="ko-KR" sz="1800" dirty="0">
+                <a:solidFill>
+                  <a:srgbClr val="FF0000"/>
+                </a:solidFill>
+                <a:latin typeface="Arial" panose="020B0604020202020204" pitchFamily="34" charset="0"/>
+              </a:rPr>
+              <a:t>AIC=59251.72   </a:t>
+            </a:r>
+            <a:r>
+              <a:rPr lang="en-US" altLang="ko-KR" sz="1800" dirty="0" err="1">
+                <a:solidFill>
+                  <a:srgbClr val="FF0000"/>
+                </a:solidFill>
+                <a:latin typeface="Arial" panose="020B0604020202020204" pitchFamily="34" charset="0"/>
+              </a:rPr>
+              <a:t>AICc</a:t>
+            </a:r>
+            <a:r>
+              <a:rPr lang="en-US" altLang="ko-KR" sz="1800" dirty="0">
+                <a:solidFill>
+                  <a:srgbClr val="FF0000"/>
+                </a:solidFill>
+                <a:latin typeface="Arial" panose="020B0604020202020204" pitchFamily="34" charset="0"/>
+              </a:rPr>
+              <a:t>=59251.74   BIC=59297.98</a:t>
+            </a:r>
+          </a:p>
+          <a:p>
+            <a:pPr marL="0" lvl="0" indent="0" eaLnBrk="0" fontAlgn="base" hangingPunct="0">
+              <a:lnSpc>
+                <a:spcPct val="100000"/>
+              </a:lnSpc>
+              <a:spcBef>
+                <a:spcPct val="0"/>
+              </a:spcBef>
+              <a:spcAft>
+                <a:spcPct val="0"/>
+              </a:spcAft>
+              <a:buClrTx/>
+              <a:buSzTx/>
+              <a:buNone/>
+            </a:pPr>
+            <a:endParaRPr lang="en-US" altLang="ko-KR" sz="1800" dirty="0">
+              <a:solidFill>
+                <a:schemeClr val="tx1"/>
+              </a:solidFill>
+              <a:latin typeface="Arial" panose="020B0604020202020204" pitchFamily="34" charset="0"/>
+            </a:endParaRPr>
+          </a:p>
+          <a:p>
+            <a:pPr marL="0" lvl="0" indent="0" eaLnBrk="0" fontAlgn="base" hangingPunct="0">
+              <a:lnSpc>
+                <a:spcPct val="100000"/>
+              </a:lnSpc>
+              <a:spcBef>
+                <a:spcPct val="0"/>
+              </a:spcBef>
+              <a:spcAft>
+                <a:spcPct val="0"/>
+              </a:spcAft>
+              <a:buClrTx/>
+              <a:buSzTx/>
+              <a:buNone/>
+            </a:pPr>
+            <a:r>
+              <a:rPr lang="en-US" altLang="ko-KR" sz="1800" dirty="0">
+                <a:solidFill>
+                  <a:schemeClr val="tx1"/>
+                </a:solidFill>
+                <a:latin typeface="Arial" panose="020B0604020202020204" pitchFamily="34" charset="0"/>
+              </a:rPr>
+              <a:t>Training set error measures:</a:t>
+            </a:r>
+          </a:p>
+          <a:p>
+            <a:pPr marL="0" lvl="0" indent="0" eaLnBrk="0" fontAlgn="base" hangingPunct="0">
+              <a:lnSpc>
+                <a:spcPct val="100000"/>
+              </a:lnSpc>
+              <a:spcBef>
+                <a:spcPct val="0"/>
+              </a:spcBef>
+              <a:spcAft>
+                <a:spcPct val="0"/>
+              </a:spcAft>
+              <a:buClrTx/>
+              <a:buSzTx/>
+              <a:buNone/>
+            </a:pPr>
+            <a:r>
+              <a:rPr lang="en-US" altLang="ko-KR" sz="1800" dirty="0">
+                <a:solidFill>
+                  <a:schemeClr val="tx1"/>
+                </a:solidFill>
+                <a:latin typeface="Arial" panose="020B0604020202020204" pitchFamily="34" charset="0"/>
+              </a:rPr>
+              <a:t>                       ME     RMSE      MAE  MPE MAPE     MASE        ACF1</a:t>
+            </a:r>
+          </a:p>
+          <a:p>
+            <a:pPr marL="0" lvl="0" indent="0" eaLnBrk="0" fontAlgn="base" hangingPunct="0">
+              <a:lnSpc>
+                <a:spcPct val="100000"/>
+              </a:lnSpc>
+              <a:spcBef>
+                <a:spcPct val="0"/>
+              </a:spcBef>
+              <a:spcAft>
+                <a:spcPct val="0"/>
+              </a:spcAft>
+              <a:buClrTx/>
+              <a:buSzTx/>
+              <a:buNone/>
+            </a:pPr>
+            <a:r>
+              <a:rPr lang="en-US" altLang="ko-KR" sz="1800" dirty="0">
+                <a:solidFill>
+                  <a:schemeClr val="tx1"/>
+                </a:solidFill>
+                <a:latin typeface="Arial" panose="020B0604020202020204" pitchFamily="34" charset="0"/>
+              </a:rPr>
+              <a:t>Training set -0.003383558 53.88799 13.87626 -Inf  </a:t>
+            </a:r>
+            <a:r>
+              <a:rPr lang="en-US" altLang="ko-KR" sz="1800" dirty="0" err="1">
+                <a:solidFill>
+                  <a:schemeClr val="tx1"/>
+                </a:solidFill>
+                <a:latin typeface="Arial" panose="020B0604020202020204" pitchFamily="34" charset="0"/>
+              </a:rPr>
+              <a:t>Inf</a:t>
+            </a:r>
+            <a:r>
+              <a:rPr lang="en-US" altLang="ko-KR" sz="1800" dirty="0">
+                <a:solidFill>
+                  <a:schemeClr val="tx1"/>
+                </a:solidFill>
+                <a:latin typeface="Arial" panose="020B0604020202020204" pitchFamily="34" charset="0"/>
+              </a:rPr>
+              <a:t> 1.204114 6.48917e-05</a:t>
+            </a:r>
+            <a:endParaRPr kumimoji="0" lang="ko-KR" altLang="ko-KR" sz="1800" b="0" i="0" u="none" strike="noStrike" cap="none" normalizeH="0" baseline="0" dirty="0">
+              <a:ln>
+                <a:noFill/>
+              </a:ln>
+              <a:solidFill>
+                <a:schemeClr val="tx1"/>
+              </a:solidFill>
+              <a:effectLst/>
+              <a:latin typeface="Arial" panose="020B0604020202020204" pitchFamily="34" charset="0"/>
+            </a:endParaRPr>
+          </a:p>
+        </p:txBody>
+      </p:sp>
+      <mc:AlternateContent xmlns:mc="http://schemas.openxmlformats.org/markup-compatibility/2006" xmlns:a14="http://schemas.microsoft.com/office/drawing/2010/main">
+        <mc:Choice Requires="a14">
+          <p:sp>
+            <p:nvSpPr>
+              <p:cNvPr id="5" name="TextBox 4">
+                <a:extLst>
+                  <a:ext uri="{FF2B5EF4-FFF2-40B4-BE49-F238E27FC236}">
+                    <a16:creationId xmlns:a16="http://schemas.microsoft.com/office/drawing/2014/main" id="{57D9CCC2-F545-B68E-365A-415FB26C478D}"/>
+                  </a:ext>
+                </a:extLst>
+              </p:cNvPr>
+              <p:cNvSpPr txBox="1"/>
+              <p:nvPr/>
+            </p:nvSpPr>
+            <p:spPr>
+              <a:xfrm>
+                <a:off x="5764200" y="1374579"/>
+                <a:ext cx="5964903" cy="646331"/>
+              </a:xfrm>
+              <a:prstGeom prst="rect">
+                <a:avLst/>
+              </a:prstGeom>
+              <a:noFill/>
+            </p:spPr>
+            <p:txBody>
+              <a:bodyPr wrap="none" rtlCol="0">
+                <a:spAutoFit/>
+              </a:bodyPr>
+              <a:lstStyle/>
+              <a:p>
+                <a:r>
+                  <a:rPr lang="en-US" altLang="ko-KR" dirty="0"/>
+                  <a:t>AR(2), MA(3)</a:t>
+                </a:r>
+              </a:p>
+              <a:p>
+                <a:pPr/>
+                <a14:m>
+                  <m:oMathPara xmlns:m="http://schemas.openxmlformats.org/officeDocument/2006/math">
+                    <m:oMathParaPr>
+                      <m:jc m:val="centerGroup"/>
+                    </m:oMathParaPr>
+                    <m:oMath xmlns:m="http://schemas.openxmlformats.org/officeDocument/2006/math">
+                      <m:sSub>
+                        <m:sSubPr>
+                          <m:ctrlPr>
+                            <a:rPr lang="ko-KR" altLang="en-US" i="1" smtClean="0">
+                              <a:solidFill>
+                                <a:srgbClr val="836967"/>
+                              </a:solidFill>
+                              <a:latin typeface="Cambria Math" panose="02040503050406030204" pitchFamily="18" charset="0"/>
+                            </a:rPr>
+                          </m:ctrlPr>
+                        </m:sSubPr>
+                        <m:e>
+                          <m:r>
+                            <a:rPr lang="ko-KR" altLang="en-US" i="1" smtClean="0">
+                              <a:latin typeface="Cambria Math" panose="02040503050406030204" pitchFamily="18" charset="0"/>
+                            </a:rPr>
+                            <m:t>𝑦</m:t>
+                          </m:r>
+                        </m:e>
+                        <m:sub>
+                          <m:r>
+                            <a:rPr lang="ko-KR" altLang="en-US" i="1" smtClean="0">
+                              <a:latin typeface="Cambria Math" panose="02040503050406030204" pitchFamily="18" charset="0"/>
+                            </a:rPr>
+                            <m:t>𝑡</m:t>
+                          </m:r>
+                        </m:sub>
+                      </m:sSub>
+                      <m:r>
+                        <a:rPr lang="ko-KR" altLang="en-US" i="1" smtClean="0">
+                          <a:latin typeface="Cambria Math" panose="02040503050406030204" pitchFamily="18" charset="0"/>
+                        </a:rPr>
+                        <m:t>=</m:t>
+                      </m:r>
+                      <m:r>
+                        <a:rPr lang="en-US" altLang="ko-KR" b="0" i="1" smtClean="0">
+                          <a:latin typeface="Cambria Math" panose="02040503050406030204" pitchFamily="18" charset="0"/>
+                        </a:rPr>
+                        <m:t>0.2</m:t>
+                      </m:r>
+                      <m:sSub>
+                        <m:sSubPr>
+                          <m:ctrlPr>
+                            <a:rPr lang="ko-KR" altLang="en-US" i="1" smtClean="0">
+                              <a:solidFill>
+                                <a:srgbClr val="836967"/>
+                              </a:solidFill>
+                              <a:latin typeface="Cambria Math" panose="02040503050406030204" pitchFamily="18" charset="0"/>
+                            </a:rPr>
+                          </m:ctrlPr>
+                        </m:sSubPr>
+                        <m:e>
+                          <m:r>
+                            <a:rPr lang="ko-KR" altLang="en-US" i="1" smtClean="0">
+                              <a:latin typeface="Cambria Math" panose="02040503050406030204" pitchFamily="18" charset="0"/>
+                            </a:rPr>
+                            <m:t>𝑦</m:t>
+                          </m:r>
+                        </m:e>
+                        <m:sub>
+                          <m:r>
+                            <a:rPr lang="ko-KR" altLang="en-US" i="1" smtClean="0">
+                              <a:latin typeface="Cambria Math" panose="02040503050406030204" pitchFamily="18" charset="0"/>
+                            </a:rPr>
+                            <m:t>𝑡</m:t>
+                          </m:r>
+                          <m:r>
+                            <a:rPr lang="ko-KR" altLang="en-US" i="1" smtClean="0">
+                              <a:latin typeface="Cambria Math" panose="02040503050406030204" pitchFamily="18" charset="0"/>
+                            </a:rPr>
+                            <m:t>−1</m:t>
+                          </m:r>
+                        </m:sub>
+                      </m:sSub>
+                      <m:r>
+                        <a:rPr lang="en-US" altLang="ko-KR" b="0" i="0" smtClean="0">
+                          <a:latin typeface="Cambria Math" panose="02040503050406030204" pitchFamily="18" charset="0"/>
+                        </a:rPr>
+                        <m:t>+</m:t>
+                      </m:r>
+                      <m:r>
+                        <a:rPr lang="en-US" altLang="ko-KR" b="0" i="1" smtClean="0">
+                          <a:latin typeface="Cambria Math" panose="02040503050406030204" pitchFamily="18" charset="0"/>
+                        </a:rPr>
+                        <m:t>0.6</m:t>
+                      </m:r>
+                      <m:sSub>
+                        <m:sSubPr>
+                          <m:ctrlPr>
+                            <a:rPr lang="ko-KR" altLang="en-US" i="1" smtClean="0">
+                              <a:solidFill>
+                                <a:srgbClr val="836967"/>
+                              </a:solidFill>
+                              <a:latin typeface="Cambria Math" panose="02040503050406030204" pitchFamily="18" charset="0"/>
+                            </a:rPr>
+                          </m:ctrlPr>
+                        </m:sSubPr>
+                        <m:e>
+                          <m:r>
+                            <a:rPr lang="ko-KR" altLang="en-US" i="1" smtClean="0">
+                              <a:latin typeface="Cambria Math" panose="02040503050406030204" pitchFamily="18" charset="0"/>
+                            </a:rPr>
+                            <m:t>𝑦</m:t>
+                          </m:r>
+                        </m:e>
+                        <m:sub>
+                          <m:r>
+                            <a:rPr lang="ko-KR" altLang="en-US" i="1" smtClean="0">
+                              <a:latin typeface="Cambria Math" panose="02040503050406030204" pitchFamily="18" charset="0"/>
+                            </a:rPr>
+                            <m:t>𝑡</m:t>
+                          </m:r>
+                          <m:r>
+                            <a:rPr lang="ko-KR" altLang="en-US" i="1" smtClean="0">
+                              <a:latin typeface="Cambria Math" panose="02040503050406030204" pitchFamily="18" charset="0"/>
+                            </a:rPr>
+                            <m:t>−2</m:t>
+                          </m:r>
+                        </m:sub>
+                      </m:sSub>
+                      <m:r>
+                        <a:rPr lang="en-US" altLang="ko-KR" b="0" i="0" smtClean="0">
+                          <a:latin typeface="Cambria Math" panose="02040503050406030204" pitchFamily="18" charset="0"/>
+                        </a:rPr>
+                        <m:t>+</m:t>
+                      </m:r>
+                      <m:r>
+                        <a:rPr lang="ko-KR" altLang="en-US" i="0" dirty="0">
+                          <a:latin typeface="Cambria Math" panose="02040503050406030204" pitchFamily="18" charset="0"/>
+                        </a:rPr>
+                        <m:t>0.</m:t>
+                      </m:r>
+                      <m:r>
+                        <a:rPr lang="en-US" altLang="ko-KR" b="0" i="1" dirty="0" smtClean="0">
+                          <a:latin typeface="Cambria Math" panose="02040503050406030204" pitchFamily="18" charset="0"/>
+                        </a:rPr>
+                        <m:t>3</m:t>
+                      </m:r>
+                      <m:sSub>
+                        <m:sSubPr>
+                          <m:ctrlPr>
+                            <a:rPr lang="ko-KR" altLang="en-US" i="1" dirty="0">
+                              <a:solidFill>
+                                <a:srgbClr val="836967"/>
+                              </a:solidFill>
+                              <a:latin typeface="Cambria Math" panose="02040503050406030204" pitchFamily="18" charset="0"/>
+                            </a:rPr>
+                          </m:ctrlPr>
+                        </m:sSubPr>
+                        <m:e>
+                          <m:r>
+                            <a:rPr lang="ko-KR" altLang="en-US" i="1" dirty="0">
+                              <a:latin typeface="Cambria Math" panose="02040503050406030204" pitchFamily="18" charset="0"/>
+                            </a:rPr>
+                            <m:t>𝑓</m:t>
+                          </m:r>
+                        </m:e>
+                        <m:sub>
+                          <m:r>
+                            <a:rPr lang="ko-KR" altLang="en-US" i="1" dirty="0">
+                              <a:latin typeface="Cambria Math" panose="02040503050406030204" pitchFamily="18" charset="0"/>
+                            </a:rPr>
+                            <m:t>𝑡</m:t>
+                          </m:r>
+                          <m:r>
+                            <a:rPr lang="ko-KR" altLang="en-US" i="0" dirty="0">
+                              <a:latin typeface="Cambria Math" panose="02040503050406030204" pitchFamily="18" charset="0"/>
+                            </a:rPr>
+                            <m:t>−1</m:t>
+                          </m:r>
+                        </m:sub>
+                      </m:sSub>
+                      <m:r>
+                        <a:rPr lang="ko-KR" altLang="en-US" i="0" dirty="0">
+                          <a:latin typeface="Cambria Math" panose="02040503050406030204" pitchFamily="18" charset="0"/>
+                        </a:rPr>
+                        <m:t>−0.</m:t>
+                      </m:r>
+                      <m:r>
+                        <a:rPr lang="en-US" altLang="ko-KR" b="0" i="1" dirty="0" smtClean="0">
+                          <a:latin typeface="Cambria Math" panose="02040503050406030204" pitchFamily="18" charset="0"/>
+                        </a:rPr>
+                        <m:t>5</m:t>
+                      </m:r>
+                      <m:sSub>
+                        <m:sSubPr>
+                          <m:ctrlPr>
+                            <a:rPr lang="ko-KR" altLang="en-US" i="1" dirty="0">
+                              <a:solidFill>
+                                <a:srgbClr val="836967"/>
+                              </a:solidFill>
+                              <a:latin typeface="Cambria Math" panose="02040503050406030204" pitchFamily="18" charset="0"/>
+                            </a:rPr>
+                          </m:ctrlPr>
+                        </m:sSubPr>
+                        <m:e>
+                          <m:r>
+                            <a:rPr lang="ko-KR" altLang="en-US" i="1" dirty="0">
+                              <a:latin typeface="Cambria Math" panose="02040503050406030204" pitchFamily="18" charset="0"/>
+                            </a:rPr>
+                            <m:t>𝑓</m:t>
+                          </m:r>
+                        </m:e>
+                        <m:sub>
+                          <m:r>
+                            <a:rPr lang="ko-KR" altLang="en-US" i="1" dirty="0">
+                              <a:latin typeface="Cambria Math" panose="02040503050406030204" pitchFamily="18" charset="0"/>
+                            </a:rPr>
+                            <m:t>𝑡</m:t>
+                          </m:r>
+                          <m:r>
+                            <a:rPr lang="ko-KR" altLang="en-US" i="0" dirty="0">
+                              <a:latin typeface="Cambria Math" panose="02040503050406030204" pitchFamily="18" charset="0"/>
+                            </a:rPr>
+                            <m:t>−2</m:t>
+                          </m:r>
+                        </m:sub>
+                      </m:sSub>
+                      <m:r>
+                        <a:rPr lang="ko-KR" altLang="en-US" i="0" dirty="0" smtClean="0">
+                          <a:latin typeface="Cambria Math" panose="02040503050406030204" pitchFamily="18" charset="0"/>
+                        </a:rPr>
+                        <m:t>−0.</m:t>
+                      </m:r>
+                      <m:r>
+                        <a:rPr lang="en-US" altLang="ko-KR" b="0" i="1" dirty="0" smtClean="0">
+                          <a:latin typeface="Cambria Math" panose="02040503050406030204" pitchFamily="18" charset="0"/>
+                        </a:rPr>
+                        <m:t>2</m:t>
+                      </m:r>
+                      <m:sSub>
+                        <m:sSubPr>
+                          <m:ctrlPr>
+                            <a:rPr lang="ko-KR" altLang="en-US" i="1" dirty="0">
+                              <a:solidFill>
+                                <a:srgbClr val="836967"/>
+                              </a:solidFill>
+                              <a:latin typeface="Cambria Math" panose="02040503050406030204" pitchFamily="18" charset="0"/>
+                            </a:rPr>
+                          </m:ctrlPr>
+                        </m:sSubPr>
+                        <m:e>
+                          <m:r>
+                            <a:rPr lang="ko-KR" altLang="en-US" i="1" dirty="0">
+                              <a:latin typeface="Cambria Math" panose="02040503050406030204" pitchFamily="18" charset="0"/>
+                            </a:rPr>
+                            <m:t>𝑓</m:t>
+                          </m:r>
+                        </m:e>
+                        <m:sub>
+                          <m:r>
+                            <a:rPr lang="ko-KR" altLang="en-US" i="1" dirty="0">
+                              <a:latin typeface="Cambria Math" panose="02040503050406030204" pitchFamily="18" charset="0"/>
+                            </a:rPr>
+                            <m:t>𝑡</m:t>
+                          </m:r>
+                          <m:r>
+                            <a:rPr lang="ko-KR" altLang="en-US" i="0" dirty="0">
+                              <a:latin typeface="Cambria Math" panose="02040503050406030204" pitchFamily="18" charset="0"/>
+                            </a:rPr>
+                            <m:t>−</m:t>
+                          </m:r>
+                          <m:r>
+                            <a:rPr lang="en-US" altLang="ko-KR" b="0" i="1" dirty="0" smtClean="0">
+                              <a:latin typeface="Cambria Math" panose="02040503050406030204" pitchFamily="18" charset="0"/>
+                            </a:rPr>
+                            <m:t>3</m:t>
+                          </m:r>
+                        </m:sub>
+                      </m:sSub>
+                      <m:r>
+                        <a:rPr lang="ko-KR" altLang="en-US" i="0" dirty="0">
+                          <a:latin typeface="Cambria Math" panose="02040503050406030204" pitchFamily="18" charset="0"/>
+                        </a:rPr>
+                        <m:t>+</m:t>
+                      </m:r>
+                      <m:sSub>
+                        <m:sSubPr>
+                          <m:ctrlPr>
+                            <a:rPr lang="ko-KR" altLang="en-US" i="1" dirty="0">
+                              <a:solidFill>
+                                <a:srgbClr val="836967"/>
+                              </a:solidFill>
+                              <a:latin typeface="Cambria Math" panose="02040503050406030204" pitchFamily="18" charset="0"/>
+                            </a:rPr>
+                          </m:ctrlPr>
+                        </m:sSubPr>
+                        <m:e>
+                          <m:r>
+                            <a:rPr lang="ko-KR" altLang="en-US" i="1" dirty="0">
+                              <a:latin typeface="Cambria Math" panose="02040503050406030204" pitchFamily="18" charset="0"/>
+                            </a:rPr>
+                            <m:t>𝜖</m:t>
+                          </m:r>
+                        </m:e>
+                        <m:sub>
+                          <m:r>
+                            <a:rPr lang="ko-KR" altLang="en-US" i="1" dirty="0">
+                              <a:latin typeface="Cambria Math" panose="02040503050406030204" pitchFamily="18" charset="0"/>
+                            </a:rPr>
+                            <m:t>𝑡</m:t>
+                          </m:r>
+                        </m:sub>
+                      </m:sSub>
+                    </m:oMath>
+                  </m:oMathPara>
+                </a14:m>
+                <a:endParaRPr lang="ko-KR" altLang="en-US" dirty="0"/>
+              </a:p>
+            </p:txBody>
+          </p:sp>
+        </mc:Choice>
+        <mc:Fallback xmlns="">
+          <p:sp>
+            <p:nvSpPr>
+              <p:cNvPr id="5" name="TextBox 4">
+                <a:extLst>
+                  <a:ext uri="{FF2B5EF4-FFF2-40B4-BE49-F238E27FC236}">
+                    <a16:creationId xmlns:a16="http://schemas.microsoft.com/office/drawing/2014/main" id="{57D9CCC2-F545-B68E-365A-415FB26C478D}"/>
+                  </a:ext>
+                </a:extLst>
+              </p:cNvPr>
+              <p:cNvSpPr txBox="1">
+                <a:spLocks noRot="1" noChangeAspect="1" noMove="1" noResize="1" noEditPoints="1" noAdjustHandles="1" noChangeArrowheads="1" noChangeShapeType="1" noTextEdit="1"/>
+              </p:cNvSpPr>
+              <p:nvPr/>
+            </p:nvSpPr>
+            <p:spPr>
+              <a:xfrm>
+                <a:off x="5764200" y="1374579"/>
+                <a:ext cx="5964903" cy="646331"/>
+              </a:xfrm>
+              <a:prstGeom prst="rect">
+                <a:avLst/>
+              </a:prstGeom>
+              <a:blipFill>
+                <a:blip r:embed="rId2"/>
+                <a:stretch>
+                  <a:fillRect l="-920" t="-4673" b="-7477"/>
+                </a:stretch>
+              </a:blipFill>
+            </p:spPr>
+            <p:txBody>
+              <a:bodyPr/>
+              <a:lstStyle/>
+              <a:p>
+                <a:r>
+                  <a:rPr lang="ko-KR" altLang="en-US">
+                    <a:noFill/>
+                  </a:rPr>
+                  <a:t> </a:t>
+                </a:r>
+              </a:p>
+            </p:txBody>
+          </p:sp>
+        </mc:Fallback>
+      </mc:AlternateContent>
+      <p:sp>
+        <p:nvSpPr>
+          <p:cNvPr id="7" name="TextBox 6">
+            <a:extLst>
+              <a:ext uri="{FF2B5EF4-FFF2-40B4-BE49-F238E27FC236}">
+                <a16:creationId xmlns:a16="http://schemas.microsoft.com/office/drawing/2014/main" id="{2E50E433-97DD-EDE2-1ECE-C4A1AB6BBAA4}"/>
+              </a:ext>
+            </a:extLst>
+          </p:cNvPr>
+          <p:cNvSpPr txBox="1"/>
+          <p:nvPr/>
+        </p:nvSpPr>
+        <p:spPr>
+          <a:xfrm>
+            <a:off x="7451387" y="2412460"/>
+            <a:ext cx="3015569" cy="1200329"/>
+          </a:xfrm>
+          <a:prstGeom prst="rect">
+            <a:avLst/>
+          </a:prstGeom>
+          <a:noFill/>
+        </p:spPr>
+        <p:txBody>
+          <a:bodyPr wrap="none" rtlCol="0">
+            <a:spAutoFit/>
+          </a:bodyPr>
+          <a:lstStyle/>
+          <a:p>
+            <a:r>
+              <a:rPr lang="ko-KR" altLang="en-US" dirty="0"/>
+              <a:t>예측모형 적합도</a:t>
+            </a:r>
+            <a:endParaRPr lang="en-US" altLang="ko-KR" dirty="0"/>
+          </a:p>
+          <a:p>
+            <a:endParaRPr lang="en-US" altLang="ko-KR" dirty="0"/>
+          </a:p>
+          <a:p>
+            <a:r>
+              <a:rPr lang="en-US" altLang="ko-KR" dirty="0"/>
+              <a:t>ME : -0.0</a:t>
+            </a:r>
+            <a:r>
+              <a:rPr lang="ko-KR" altLang="en-US" dirty="0"/>
+              <a:t>         </a:t>
+            </a:r>
+            <a:r>
+              <a:rPr lang="en-US" altLang="ko-KR" dirty="0"/>
+              <a:t>RMSE</a:t>
+            </a:r>
+            <a:r>
+              <a:rPr lang="ko-KR" altLang="en-US" dirty="0"/>
+              <a:t> </a:t>
+            </a:r>
+            <a:r>
+              <a:rPr lang="en-US" altLang="ko-KR" dirty="0"/>
+              <a:t>:</a:t>
+            </a:r>
+            <a:r>
+              <a:rPr lang="ko-KR" altLang="en-US" dirty="0"/>
+              <a:t> </a:t>
+            </a:r>
+            <a:r>
+              <a:rPr lang="en-US" altLang="ko-KR" dirty="0"/>
+              <a:t>53.9</a:t>
+            </a:r>
+          </a:p>
+          <a:p>
+            <a:r>
+              <a:rPr lang="en-US" altLang="ko-KR" dirty="0"/>
+              <a:t>MAE : 13.88    MAPE : -inf    </a:t>
+            </a:r>
+          </a:p>
+        </p:txBody>
+      </p:sp>
+    </p:spTree>
+    <p:extLst>
+      <p:ext uri="{BB962C8B-B14F-4D97-AF65-F5344CB8AC3E}">
+        <p14:creationId xmlns:p14="http://schemas.microsoft.com/office/powerpoint/2010/main" val="1706976087"/>
       </p:ext>
     </p:extLst>
   </p:cSld>

--- a/R프로그램, 파이썬 유량 예측 결과.pptx
+++ b/R프로그램, 파이썬 유량 예측 결과.pptx
@@ -23,9 +23,6 @@
     <p:sldId id="271" r:id="rId17"/>
     <p:sldId id="275" r:id="rId18"/>
     <p:sldId id="279" r:id="rId19"/>
-    <p:sldId id="280" r:id="rId20"/>
-    <p:sldId id="281" r:id="rId21"/>
-    <p:sldId id="282" r:id="rId22"/>
   </p:sldIdLst>
   <p:sldSz cx="12192000" cy="6858000"/>
   <p:notesSz cx="6858000" cy="9144000"/>
@@ -24784,86 +24781,6 @@
 </p:sld>
 </file>
 
-<file path=ppt/slides/slide19.xml><?xml version="1.0" encoding="utf-8"?>
-<p:sld xmlns:a="http://schemas.openxmlformats.org/drawingml/2006/main" xmlns:r="http://schemas.openxmlformats.org/officeDocument/2006/relationships" xmlns:p="http://schemas.openxmlformats.org/presentationml/2006/main">
-  <p:cSld>
-    <p:spTree>
-      <p:nvGrpSpPr>
-        <p:cNvPr id="1" name=""/>
-        <p:cNvGrpSpPr/>
-        <p:nvPr/>
-      </p:nvGrpSpPr>
-      <p:grpSpPr>
-        <a:xfrm>
-          <a:off x="0" y="0"/>
-          <a:ext cx="0" cy="0"/>
-          <a:chOff x="0" y="0"/>
-          <a:chExt cx="0" cy="0"/>
-        </a:xfrm>
-      </p:grpSpPr>
-      <p:sp>
-        <p:nvSpPr>
-          <p:cNvPr id="2" name="제목 1">
-            <a:extLst>
-              <a:ext uri="{FF2B5EF4-FFF2-40B4-BE49-F238E27FC236}">
-                <a16:creationId xmlns:a16="http://schemas.microsoft.com/office/drawing/2014/main" id="{C393DCAA-8F28-F9B2-444C-D3089EC7EB8E}"/>
-              </a:ext>
-            </a:extLst>
-          </p:cNvPr>
-          <p:cNvSpPr>
-            <a:spLocks noGrp="1"/>
-          </p:cNvSpPr>
-          <p:nvPr>
-            <p:ph type="title"/>
-          </p:nvPr>
-        </p:nvSpPr>
-        <p:spPr/>
-        <p:txBody>
-          <a:bodyPr/>
-          <a:lstStyle/>
-          <a:p>
-            <a:endParaRPr lang="ko-KR" altLang="en-US"/>
-          </a:p>
-        </p:txBody>
-      </p:sp>
-      <p:sp>
-        <p:nvSpPr>
-          <p:cNvPr id="3" name="내용 개체 틀 2">
-            <a:extLst>
-              <a:ext uri="{FF2B5EF4-FFF2-40B4-BE49-F238E27FC236}">
-                <a16:creationId xmlns:a16="http://schemas.microsoft.com/office/drawing/2014/main" id="{7FC305B6-7FE1-15C2-A2D1-39038E71F458}"/>
-              </a:ext>
-            </a:extLst>
-          </p:cNvPr>
-          <p:cNvSpPr>
-            <a:spLocks noGrp="1"/>
-          </p:cNvSpPr>
-          <p:nvPr>
-            <p:ph idx="1"/>
-          </p:nvPr>
-        </p:nvSpPr>
-        <p:spPr/>
-        <p:txBody>
-          <a:bodyPr/>
-          <a:lstStyle/>
-          <a:p>
-            <a:endParaRPr lang="ko-KR" altLang="en-US"/>
-          </a:p>
-        </p:txBody>
-      </p:sp>
-    </p:spTree>
-    <p:extLst>
-      <p:ext uri="{BB962C8B-B14F-4D97-AF65-F5344CB8AC3E}">
-        <p14:creationId xmlns:p14="http://schemas.microsoft.com/office/powerpoint/2010/main" val="2143336191"/>
-      </p:ext>
-    </p:extLst>
-  </p:cSld>
-  <p:clrMapOvr>
-    <a:masterClrMapping/>
-  </p:clrMapOvr>
-</p:sld>
-</file>
-
 <file path=ppt/slides/slide2.xml><?xml version="1.0" encoding="utf-8"?>
 <p:sld xmlns:a="http://schemas.openxmlformats.org/drawingml/2006/main" xmlns:r="http://schemas.openxmlformats.org/officeDocument/2006/relationships" xmlns:p="http://schemas.openxmlformats.org/presentationml/2006/main">
   <p:cSld>
@@ -28649,166 +28566,6 @@
     <p:extLst>
       <p:ext uri="{BB962C8B-B14F-4D97-AF65-F5344CB8AC3E}">
         <p14:creationId xmlns:p14="http://schemas.microsoft.com/office/powerpoint/2010/main" val="386747945"/>
-      </p:ext>
-    </p:extLst>
-  </p:cSld>
-  <p:clrMapOvr>
-    <a:masterClrMapping/>
-  </p:clrMapOvr>
-</p:sld>
-</file>
-
-<file path=ppt/slides/slide20.xml><?xml version="1.0" encoding="utf-8"?>
-<p:sld xmlns:a="http://schemas.openxmlformats.org/drawingml/2006/main" xmlns:r="http://schemas.openxmlformats.org/officeDocument/2006/relationships" xmlns:p="http://schemas.openxmlformats.org/presentationml/2006/main">
-  <p:cSld>
-    <p:spTree>
-      <p:nvGrpSpPr>
-        <p:cNvPr id="1" name=""/>
-        <p:cNvGrpSpPr/>
-        <p:nvPr/>
-      </p:nvGrpSpPr>
-      <p:grpSpPr>
-        <a:xfrm>
-          <a:off x="0" y="0"/>
-          <a:ext cx="0" cy="0"/>
-          <a:chOff x="0" y="0"/>
-          <a:chExt cx="0" cy="0"/>
-        </a:xfrm>
-      </p:grpSpPr>
-      <p:sp>
-        <p:nvSpPr>
-          <p:cNvPr id="2" name="제목 1">
-            <a:extLst>
-              <a:ext uri="{FF2B5EF4-FFF2-40B4-BE49-F238E27FC236}">
-                <a16:creationId xmlns:a16="http://schemas.microsoft.com/office/drawing/2014/main" id="{A08CB039-CB13-BA7E-843C-CD496488799A}"/>
-              </a:ext>
-            </a:extLst>
-          </p:cNvPr>
-          <p:cNvSpPr>
-            <a:spLocks noGrp="1"/>
-          </p:cNvSpPr>
-          <p:nvPr>
-            <p:ph type="title"/>
-          </p:nvPr>
-        </p:nvSpPr>
-        <p:spPr/>
-        <p:txBody>
-          <a:bodyPr/>
-          <a:lstStyle/>
-          <a:p>
-            <a:endParaRPr lang="ko-KR" altLang="en-US"/>
-          </a:p>
-        </p:txBody>
-      </p:sp>
-      <p:sp>
-        <p:nvSpPr>
-          <p:cNvPr id="3" name="내용 개체 틀 2">
-            <a:extLst>
-              <a:ext uri="{FF2B5EF4-FFF2-40B4-BE49-F238E27FC236}">
-                <a16:creationId xmlns:a16="http://schemas.microsoft.com/office/drawing/2014/main" id="{5C7E569A-6F00-BC8B-EEAF-B58D7B4F50AB}"/>
-              </a:ext>
-            </a:extLst>
-          </p:cNvPr>
-          <p:cNvSpPr>
-            <a:spLocks noGrp="1"/>
-          </p:cNvSpPr>
-          <p:nvPr>
-            <p:ph idx="1"/>
-          </p:nvPr>
-        </p:nvSpPr>
-        <p:spPr/>
-        <p:txBody>
-          <a:bodyPr/>
-          <a:lstStyle/>
-          <a:p>
-            <a:endParaRPr lang="ko-KR" altLang="en-US"/>
-          </a:p>
-        </p:txBody>
-      </p:sp>
-    </p:spTree>
-    <p:extLst>
-      <p:ext uri="{BB962C8B-B14F-4D97-AF65-F5344CB8AC3E}">
-        <p14:creationId xmlns:p14="http://schemas.microsoft.com/office/powerpoint/2010/main" val="3145212767"/>
-      </p:ext>
-    </p:extLst>
-  </p:cSld>
-  <p:clrMapOvr>
-    <a:masterClrMapping/>
-  </p:clrMapOvr>
-</p:sld>
-</file>
-
-<file path=ppt/slides/slide21.xml><?xml version="1.0" encoding="utf-8"?>
-<p:sld xmlns:a="http://schemas.openxmlformats.org/drawingml/2006/main" xmlns:r="http://schemas.openxmlformats.org/officeDocument/2006/relationships" xmlns:p="http://schemas.openxmlformats.org/presentationml/2006/main">
-  <p:cSld>
-    <p:spTree>
-      <p:nvGrpSpPr>
-        <p:cNvPr id="1" name=""/>
-        <p:cNvGrpSpPr/>
-        <p:nvPr/>
-      </p:nvGrpSpPr>
-      <p:grpSpPr>
-        <a:xfrm>
-          <a:off x="0" y="0"/>
-          <a:ext cx="0" cy="0"/>
-          <a:chOff x="0" y="0"/>
-          <a:chExt cx="0" cy="0"/>
-        </a:xfrm>
-      </p:grpSpPr>
-      <p:sp>
-        <p:nvSpPr>
-          <p:cNvPr id="2" name="제목 1">
-            <a:extLst>
-              <a:ext uri="{FF2B5EF4-FFF2-40B4-BE49-F238E27FC236}">
-                <a16:creationId xmlns:a16="http://schemas.microsoft.com/office/drawing/2014/main" id="{8CA7913D-546D-8152-AC01-8359DFA21AC7}"/>
-              </a:ext>
-            </a:extLst>
-          </p:cNvPr>
-          <p:cNvSpPr>
-            <a:spLocks noGrp="1"/>
-          </p:cNvSpPr>
-          <p:nvPr>
-            <p:ph type="title"/>
-          </p:nvPr>
-        </p:nvSpPr>
-        <p:spPr/>
-        <p:txBody>
-          <a:bodyPr/>
-          <a:lstStyle/>
-          <a:p>
-            <a:endParaRPr lang="ko-KR" altLang="en-US"/>
-          </a:p>
-        </p:txBody>
-      </p:sp>
-      <p:sp>
-        <p:nvSpPr>
-          <p:cNvPr id="3" name="내용 개체 틀 2">
-            <a:extLst>
-              <a:ext uri="{FF2B5EF4-FFF2-40B4-BE49-F238E27FC236}">
-                <a16:creationId xmlns:a16="http://schemas.microsoft.com/office/drawing/2014/main" id="{9E683A8C-13AC-DBD8-EA5E-EB10BD25F1EE}"/>
-              </a:ext>
-            </a:extLst>
-          </p:cNvPr>
-          <p:cNvSpPr>
-            <a:spLocks noGrp="1"/>
-          </p:cNvSpPr>
-          <p:nvPr>
-            <p:ph idx="1"/>
-          </p:nvPr>
-        </p:nvSpPr>
-        <p:spPr/>
-        <p:txBody>
-          <a:bodyPr/>
-          <a:lstStyle/>
-          <a:p>
-            <a:endParaRPr lang="ko-KR" altLang="en-US"/>
-          </a:p>
-        </p:txBody>
-      </p:sp>
-    </p:spTree>
-    <p:extLst>
-      <p:ext uri="{BB962C8B-B14F-4D97-AF65-F5344CB8AC3E}">
-        <p14:creationId xmlns:p14="http://schemas.microsoft.com/office/powerpoint/2010/main" val="3069056364"/>
       </p:ext>
     </p:extLst>
   </p:cSld>
